--- a/src/lr1/РИЗ-130916у Савельев В.Н. Отчет о выполнении ЛР1.pptx
+++ b/src/lr1/РИЗ-130916у Савельев В.Н. Отчет о выполнении ЛР1.pptx
@@ -8,7 +8,24 @@
     <p:sldId id="256" r:id="rId2"/>
     <p:sldId id="257" r:id="rId3"/>
     <p:sldId id="258" r:id="rId4"/>
-    <p:sldId id="281" r:id="rId5"/>
+    <p:sldId id="282" r:id="rId5"/>
+    <p:sldId id="283" r:id="rId6"/>
+    <p:sldId id="284" r:id="rId7"/>
+    <p:sldId id="285" r:id="rId8"/>
+    <p:sldId id="286" r:id="rId9"/>
+    <p:sldId id="287" r:id="rId10"/>
+    <p:sldId id="288" r:id="rId11"/>
+    <p:sldId id="289" r:id="rId12"/>
+    <p:sldId id="290" r:id="rId13"/>
+    <p:sldId id="291" r:id="rId14"/>
+    <p:sldId id="292" r:id="rId15"/>
+    <p:sldId id="293" r:id="rId16"/>
+    <p:sldId id="294" r:id="rId17"/>
+    <p:sldId id="295" r:id="rId18"/>
+    <p:sldId id="296" r:id="rId19"/>
+    <p:sldId id="297" r:id="rId20"/>
+    <p:sldId id="298" r:id="rId21"/>
+    <p:sldId id="281" r:id="rId22"/>
   </p:sldIdLst>
   <p:sldSz cx="12192000" cy="6858000"/>
   <p:notesSz cx="6858000" cy="9144000"/>
@@ -108,6 +125,39 @@
     </a:lvl9pPr>
   </p:defaultTextStyle>
   <p:extLst>
+    <p:ext uri="{521415D9-36F7-43E2-AB2F-B90AF26B5E84}">
+      <p14:sectionLst xmlns:p14="http://schemas.microsoft.com/office/powerpoint/2010/main">
+        <p14:section name="Раздел по умолчанию" id="{0E52C956-ADB6-4A91-8C9A-3B7BF76F9E50}">
+          <p14:sldIdLst>
+            <p14:sldId id="256"/>
+            <p14:sldId id="257"/>
+            <p14:sldId id="258"/>
+            <p14:sldId id="282"/>
+            <p14:sldId id="283"/>
+            <p14:sldId id="284"/>
+            <p14:sldId id="285"/>
+            <p14:sldId id="286"/>
+          </p14:sldIdLst>
+        </p14:section>
+        <p14:section name="Раздел без заголовка" id="{DF4FA7EA-8AC6-4E78-ACF4-079244300A40}">
+          <p14:sldIdLst>
+            <p14:sldId id="287"/>
+            <p14:sldId id="288"/>
+            <p14:sldId id="289"/>
+            <p14:sldId id="290"/>
+            <p14:sldId id="291"/>
+            <p14:sldId id="292"/>
+            <p14:sldId id="293"/>
+            <p14:sldId id="294"/>
+            <p14:sldId id="295"/>
+            <p14:sldId id="296"/>
+            <p14:sldId id="297"/>
+            <p14:sldId id="298"/>
+            <p14:sldId id="281"/>
+          </p14:sldIdLst>
+        </p14:section>
+      </p14:sectionLst>
+    </p:ext>
     <p:ext uri="{EFAFB233-063F-42B5-8137-9DF3F51BA10A}">
       <p15:sldGuideLst xmlns:p15="http://schemas.microsoft.com/office/powerpoint/2012/main"/>
     </p:ext>
@@ -262,7 +312,7 @@
           <a:p>
             <a:fld id="{870F65BB-7DDC-4717-AF77-59A3293404C9}" type="datetimeFigureOut">
               <a:rPr lang="ru-RU" smtClean="0"/>
-              <a:t>19.11.2023</a:t>
+              <a:t>24.11.2023</a:t>
             </a:fld>
             <a:endParaRPr lang="ru-RU"/>
           </a:p>
@@ -460,7 +510,7 @@
           <a:p>
             <a:fld id="{870F65BB-7DDC-4717-AF77-59A3293404C9}" type="datetimeFigureOut">
               <a:rPr lang="ru-RU" smtClean="0"/>
-              <a:t>19.11.2023</a:t>
+              <a:t>24.11.2023</a:t>
             </a:fld>
             <a:endParaRPr lang="ru-RU"/>
           </a:p>
@@ -668,7 +718,7 @@
           <a:p>
             <a:fld id="{870F65BB-7DDC-4717-AF77-59A3293404C9}" type="datetimeFigureOut">
               <a:rPr lang="ru-RU" smtClean="0"/>
-              <a:t>19.11.2023</a:t>
+              <a:t>24.11.2023</a:t>
             </a:fld>
             <a:endParaRPr lang="ru-RU"/>
           </a:p>
@@ -866,7 +916,7 @@
           <a:p>
             <a:fld id="{870F65BB-7DDC-4717-AF77-59A3293404C9}" type="datetimeFigureOut">
               <a:rPr lang="ru-RU" smtClean="0"/>
-              <a:t>19.11.2023</a:t>
+              <a:t>24.11.2023</a:t>
             </a:fld>
             <a:endParaRPr lang="ru-RU"/>
           </a:p>
@@ -1141,7 +1191,7 @@
           <a:p>
             <a:fld id="{870F65BB-7DDC-4717-AF77-59A3293404C9}" type="datetimeFigureOut">
               <a:rPr lang="ru-RU" smtClean="0"/>
-              <a:t>19.11.2023</a:t>
+              <a:t>24.11.2023</a:t>
             </a:fld>
             <a:endParaRPr lang="ru-RU"/>
           </a:p>
@@ -1406,7 +1456,7 @@
           <a:p>
             <a:fld id="{870F65BB-7DDC-4717-AF77-59A3293404C9}" type="datetimeFigureOut">
               <a:rPr lang="ru-RU" smtClean="0"/>
-              <a:t>19.11.2023</a:t>
+              <a:t>24.11.2023</a:t>
             </a:fld>
             <a:endParaRPr lang="ru-RU"/>
           </a:p>
@@ -1818,7 +1868,7 @@
           <a:p>
             <a:fld id="{870F65BB-7DDC-4717-AF77-59A3293404C9}" type="datetimeFigureOut">
               <a:rPr lang="ru-RU" smtClean="0"/>
-              <a:t>19.11.2023</a:t>
+              <a:t>24.11.2023</a:t>
             </a:fld>
             <a:endParaRPr lang="ru-RU"/>
           </a:p>
@@ -1959,7 +2009,7 @@
           <a:p>
             <a:fld id="{870F65BB-7DDC-4717-AF77-59A3293404C9}" type="datetimeFigureOut">
               <a:rPr lang="ru-RU" smtClean="0"/>
-              <a:t>19.11.2023</a:t>
+              <a:t>24.11.2023</a:t>
             </a:fld>
             <a:endParaRPr lang="ru-RU"/>
           </a:p>
@@ -2072,7 +2122,7 @@
           <a:p>
             <a:fld id="{870F65BB-7DDC-4717-AF77-59A3293404C9}" type="datetimeFigureOut">
               <a:rPr lang="ru-RU" smtClean="0"/>
-              <a:t>19.11.2023</a:t>
+              <a:t>24.11.2023</a:t>
             </a:fld>
             <a:endParaRPr lang="ru-RU"/>
           </a:p>
@@ -2383,7 +2433,7 @@
           <a:p>
             <a:fld id="{870F65BB-7DDC-4717-AF77-59A3293404C9}" type="datetimeFigureOut">
               <a:rPr lang="ru-RU" smtClean="0"/>
-              <a:t>19.11.2023</a:t>
+              <a:t>24.11.2023</a:t>
             </a:fld>
             <a:endParaRPr lang="ru-RU"/>
           </a:p>
@@ -2671,7 +2721,7 @@
           <a:p>
             <a:fld id="{870F65BB-7DDC-4717-AF77-59A3293404C9}" type="datetimeFigureOut">
               <a:rPr lang="ru-RU" smtClean="0"/>
-              <a:t>19.11.2023</a:t>
+              <a:t>24.11.2023</a:t>
             </a:fld>
             <a:endParaRPr lang="ru-RU"/>
           </a:p>
@@ -2912,7 +2962,7 @@
           <a:p>
             <a:fld id="{870F65BB-7DDC-4717-AF77-59A3293404C9}" type="datetimeFigureOut">
               <a:rPr lang="ru-RU" smtClean="0"/>
-              <a:t>19.11.2023</a:t>
+              <a:t>24.11.2023</a:t>
             </a:fld>
             <a:endParaRPr lang="ru-RU"/>
           </a:p>
@@ -3425,13 +3475,13 @@
         </p:nvSpPr>
         <p:spPr>
           <a:xfrm>
-            <a:off x="9369104" y="4849901"/>
-            <a:ext cx="2597791" cy="1655762"/>
+            <a:off x="7281645" y="4303552"/>
+            <a:ext cx="4685252" cy="2202111"/>
           </a:xfrm>
         </p:spPr>
         <p:txBody>
           <a:bodyPr>
-            <a:normAutofit lnSpcReduction="10000"/>
+            <a:noAutofit/>
           </a:bodyPr>
           <a:lstStyle/>
           <a:p>
@@ -3459,8 +3509,12 @@
                 <a:latin typeface="Times New Roman" panose="02020603050405020304" pitchFamily="18" charset="0"/>
                 <a:cs typeface="Times New Roman" panose="02020603050405020304" pitchFamily="18" charset="0"/>
               </a:rPr>
-              <a:t>Савельева В.Н.</a:t>
-            </a:r>
+              <a:t>Савельева В.Н. </a:t>
+            </a:r>
+            <a:endParaRPr lang="en-US" sz="1400" dirty="0">
+              <a:latin typeface="Times New Roman" panose="02020603050405020304" pitchFamily="18" charset="0"/>
+              <a:cs typeface="Times New Roman" panose="02020603050405020304" pitchFamily="18" charset="0"/>
+            </a:endParaRPr>
           </a:p>
           <a:p>
             <a:pPr algn="r">
@@ -3469,27 +3523,13 @@
               </a:lnSpc>
             </a:pPr>
             <a:r>
-              <a:rPr lang="ru-RU" sz="1400" dirty="0">
-                <a:latin typeface="Times New Roman" panose="02020603050405020304" pitchFamily="18" charset="0"/>
-                <a:cs typeface="Times New Roman" panose="02020603050405020304" pitchFamily="18" charset="0"/>
-              </a:rPr>
-              <a:t>1 семестр 2023</a:t>
-            </a:r>
-            <a:r>
               <a:rPr lang="en-US" sz="1400" dirty="0">
                 <a:latin typeface="Times New Roman" panose="02020603050405020304" pitchFamily="18" charset="0"/>
                 <a:cs typeface="Times New Roman" panose="02020603050405020304" pitchFamily="18" charset="0"/>
               </a:rPr>
-              <a:t> </a:t>
-            </a:r>
-            <a:r>
-              <a:rPr lang="ru-RU" sz="1400" dirty="0">
-                <a:latin typeface="Times New Roman" panose="02020603050405020304" pitchFamily="18" charset="0"/>
-                <a:cs typeface="Times New Roman" panose="02020603050405020304" pitchFamily="18" charset="0"/>
-              </a:rPr>
-              <a:t>г.</a:t>
-            </a:r>
-            <a:endParaRPr lang="en-US" sz="1400" dirty="0">
+              <a:t>https://github.com/Vladnwx/Learn2023-2024/tree/master</a:t>
+            </a:r>
+            <a:endParaRPr lang="ru-RU" sz="1400" dirty="0">
               <a:latin typeface="Times New Roman" panose="02020603050405020304" pitchFamily="18" charset="0"/>
               <a:cs typeface="Times New Roman" panose="02020603050405020304" pitchFamily="18" charset="0"/>
             </a:endParaRPr>
@@ -3505,6 +3545,38 @@
                 <a:latin typeface="Times New Roman" panose="02020603050405020304" pitchFamily="18" charset="0"/>
                 <a:cs typeface="Times New Roman" panose="02020603050405020304" pitchFamily="18" charset="0"/>
               </a:rPr>
+              <a:t>1 семестр 2023</a:t>
+            </a:r>
+            <a:r>
+              <a:rPr lang="en-US" sz="1400" dirty="0">
+                <a:latin typeface="Times New Roman" panose="02020603050405020304" pitchFamily="18" charset="0"/>
+                <a:cs typeface="Times New Roman" panose="02020603050405020304" pitchFamily="18" charset="0"/>
+              </a:rPr>
+              <a:t> </a:t>
+            </a:r>
+            <a:r>
+              <a:rPr lang="ru-RU" sz="1400" dirty="0">
+                <a:latin typeface="Times New Roman" panose="02020603050405020304" pitchFamily="18" charset="0"/>
+                <a:cs typeface="Times New Roman" panose="02020603050405020304" pitchFamily="18" charset="0"/>
+              </a:rPr>
+              <a:t>г.</a:t>
+            </a:r>
+            <a:endParaRPr lang="en-US" sz="1400" dirty="0">
+              <a:latin typeface="Times New Roman" panose="02020603050405020304" pitchFamily="18" charset="0"/>
+              <a:cs typeface="Times New Roman" panose="02020603050405020304" pitchFamily="18" charset="0"/>
+            </a:endParaRPr>
+          </a:p>
+          <a:p>
+            <a:pPr algn="r">
+              <a:lnSpc>
+                <a:spcPct val="150000"/>
+              </a:lnSpc>
+            </a:pPr>
+            <a:r>
+              <a:rPr lang="ru-RU" sz="1400" dirty="0">
+                <a:latin typeface="Times New Roman" panose="02020603050405020304" pitchFamily="18" charset="0"/>
+                <a:cs typeface="Times New Roman" panose="02020603050405020304" pitchFamily="18" charset="0"/>
+              </a:rPr>
               <a:t>Преподаватель: Архипов Н.А. </a:t>
             </a:r>
           </a:p>
@@ -3514,6 +3586,1555 @@
     <p:extLst>
       <p:ext uri="{BB962C8B-B14F-4D97-AF65-F5344CB8AC3E}">
         <p14:creationId xmlns:p14="http://schemas.microsoft.com/office/powerpoint/2010/main" val="3477583233"/>
+      </p:ext>
+    </p:extLst>
+  </p:cSld>
+  <p:clrMapOvr>
+    <a:masterClrMapping/>
+  </p:clrMapOvr>
+</p:sld>
+</file>
+
+<file path=ppt/slides/slide10.xml><?xml version="1.0" encoding="utf-8"?>
+<p:sld xmlns:a="http://schemas.openxmlformats.org/drawingml/2006/main" xmlns:r="http://schemas.openxmlformats.org/officeDocument/2006/relationships" xmlns:p="http://schemas.openxmlformats.org/presentationml/2006/main">
+  <p:cSld>
+    <p:spTree>
+      <p:nvGrpSpPr>
+        <p:cNvPr id="1" name=""/>
+        <p:cNvGrpSpPr/>
+        <p:nvPr/>
+      </p:nvGrpSpPr>
+      <p:grpSpPr>
+        <a:xfrm>
+          <a:off x="0" y="0"/>
+          <a:ext cx="0" cy="0"/>
+          <a:chOff x="0" y="0"/>
+          <a:chExt cx="0" cy="0"/>
+        </a:xfrm>
+      </p:grpSpPr>
+      <p:sp>
+        <p:nvSpPr>
+          <p:cNvPr id="2" name="Заголовок 1">
+            <a:extLst>
+              <a:ext uri="{FF2B5EF4-FFF2-40B4-BE49-F238E27FC236}">
+                <a16:creationId xmlns:a16="http://schemas.microsoft.com/office/drawing/2014/main" id="{858A5C1F-E5B2-4EC1-9A3C-AAE441DF4D96}"/>
+              </a:ext>
+            </a:extLst>
+          </p:cNvPr>
+          <p:cNvSpPr>
+            <a:spLocks noGrp="1"/>
+          </p:cNvSpPr>
+          <p:nvPr>
+            <p:ph type="title"/>
+          </p:nvPr>
+        </p:nvSpPr>
+        <p:spPr>
+          <a:xfrm>
+            <a:off x="838200" y="176169"/>
+            <a:ext cx="10515600" cy="334424"/>
+          </a:xfrm>
+        </p:spPr>
+        <p:txBody>
+          <a:bodyPr>
+            <a:normAutofit/>
+          </a:bodyPr>
+          <a:lstStyle/>
+          <a:p>
+            <a:pPr algn="ctr"/>
+            <a:r>
+              <a:rPr lang="ru-RU" sz="1400" dirty="0">
+                <a:latin typeface="Times New Roman" panose="02020603050405020304" pitchFamily="18" charset="0"/>
+                <a:cs typeface="Times New Roman" panose="02020603050405020304" pitchFamily="18" charset="0"/>
+              </a:rPr>
+              <a:t>Задача №7</a:t>
+            </a:r>
+          </a:p>
+        </p:txBody>
+      </p:sp>
+      <p:sp>
+        <p:nvSpPr>
+          <p:cNvPr id="3" name="Текст 2">
+            <a:extLst>
+              <a:ext uri="{FF2B5EF4-FFF2-40B4-BE49-F238E27FC236}">
+                <a16:creationId xmlns:a16="http://schemas.microsoft.com/office/drawing/2014/main" id="{7A2822FC-0537-44BF-973E-18E9089D51A2}"/>
+              </a:ext>
+            </a:extLst>
+          </p:cNvPr>
+          <p:cNvSpPr>
+            <a:spLocks noGrp="1"/>
+          </p:cNvSpPr>
+          <p:nvPr>
+            <p:ph type="body" idx="1"/>
+          </p:nvPr>
+        </p:nvSpPr>
+        <p:spPr>
+          <a:xfrm>
+            <a:off x="831850" y="629175"/>
+            <a:ext cx="10515600" cy="864065"/>
+          </a:xfrm>
+        </p:spPr>
+        <p:txBody>
+          <a:bodyPr>
+            <a:normAutofit/>
+          </a:bodyPr>
+          <a:lstStyle/>
+          <a:p>
+            <a:r>
+              <a:rPr lang="ru-RU" sz="1400" dirty="0">
+                <a:solidFill>
+                  <a:schemeClr val="tx1"/>
+                </a:solidFill>
+                <a:latin typeface="Times New Roman" panose="02020603050405020304" pitchFamily="18" charset="0"/>
+                <a:cs typeface="Times New Roman" panose="02020603050405020304" pitchFamily="18" charset="0"/>
+              </a:rPr>
+              <a:t>Исходный код решения: </a:t>
+            </a:r>
+            <a:r>
+              <a:rPr lang="en-US" sz="1400" dirty="0">
+                <a:solidFill>
+                  <a:schemeClr val="tx1"/>
+                </a:solidFill>
+                <a:latin typeface="Times New Roman" panose="02020603050405020304" pitchFamily="18" charset="0"/>
+                <a:cs typeface="Times New Roman" panose="02020603050405020304" pitchFamily="18" charset="0"/>
+              </a:rPr>
+              <a:t>https://github.com/Vladnwx/Learn2023-2024/blob/master/src/lr1/Example</a:t>
+            </a:r>
+            <a:r>
+              <a:rPr lang="ru-RU" sz="1400" dirty="0">
+                <a:solidFill>
+                  <a:schemeClr val="tx1"/>
+                </a:solidFill>
+                <a:latin typeface="Times New Roman" panose="02020603050405020304" pitchFamily="18" charset="0"/>
+                <a:cs typeface="Times New Roman" panose="02020603050405020304" pitchFamily="18" charset="0"/>
+              </a:rPr>
+              <a:t>7</a:t>
+            </a:r>
+            <a:r>
+              <a:rPr lang="en-US" sz="1400" dirty="0">
+                <a:solidFill>
+                  <a:schemeClr val="tx1"/>
+                </a:solidFill>
+                <a:latin typeface="Times New Roman" panose="02020603050405020304" pitchFamily="18" charset="0"/>
+                <a:cs typeface="Times New Roman" panose="02020603050405020304" pitchFamily="18" charset="0"/>
+              </a:rPr>
+              <a:t>.java</a:t>
+            </a:r>
+            <a:endParaRPr lang="ru-RU" sz="1400" dirty="0">
+              <a:solidFill>
+                <a:schemeClr val="tx1"/>
+              </a:solidFill>
+              <a:latin typeface="Times New Roman" panose="02020603050405020304" pitchFamily="18" charset="0"/>
+              <a:cs typeface="Times New Roman" panose="02020603050405020304" pitchFamily="18" charset="0"/>
+            </a:endParaRPr>
+          </a:p>
+          <a:p>
+            <a:endParaRPr lang="ru-RU" sz="1400" dirty="0">
+              <a:solidFill>
+                <a:schemeClr val="tx1"/>
+              </a:solidFill>
+              <a:latin typeface="Times New Roman" panose="02020603050405020304" pitchFamily="18" charset="0"/>
+              <a:cs typeface="Times New Roman" panose="02020603050405020304" pitchFamily="18" charset="0"/>
+            </a:endParaRPr>
+          </a:p>
+        </p:txBody>
+      </p:sp>
+    </p:spTree>
+    <p:extLst>
+      <p:ext uri="{BB962C8B-B14F-4D97-AF65-F5344CB8AC3E}">
+        <p14:creationId xmlns:p14="http://schemas.microsoft.com/office/powerpoint/2010/main" val="1058291349"/>
+      </p:ext>
+    </p:extLst>
+  </p:cSld>
+  <p:clrMapOvr>
+    <a:masterClrMapping/>
+  </p:clrMapOvr>
+</p:sld>
+</file>
+
+<file path=ppt/slides/slide11.xml><?xml version="1.0" encoding="utf-8"?>
+<p:sld xmlns:a="http://schemas.openxmlformats.org/drawingml/2006/main" xmlns:r="http://schemas.openxmlformats.org/officeDocument/2006/relationships" xmlns:p="http://schemas.openxmlformats.org/presentationml/2006/main">
+  <p:cSld>
+    <p:spTree>
+      <p:nvGrpSpPr>
+        <p:cNvPr id="1" name=""/>
+        <p:cNvGrpSpPr/>
+        <p:nvPr/>
+      </p:nvGrpSpPr>
+      <p:grpSpPr>
+        <a:xfrm>
+          <a:off x="0" y="0"/>
+          <a:ext cx="0" cy="0"/>
+          <a:chOff x="0" y="0"/>
+          <a:chExt cx="0" cy="0"/>
+        </a:xfrm>
+      </p:grpSpPr>
+      <p:sp>
+        <p:nvSpPr>
+          <p:cNvPr id="2" name="Заголовок 1">
+            <a:extLst>
+              <a:ext uri="{FF2B5EF4-FFF2-40B4-BE49-F238E27FC236}">
+                <a16:creationId xmlns:a16="http://schemas.microsoft.com/office/drawing/2014/main" id="{858A5C1F-E5B2-4EC1-9A3C-AAE441DF4D96}"/>
+              </a:ext>
+            </a:extLst>
+          </p:cNvPr>
+          <p:cNvSpPr>
+            <a:spLocks noGrp="1"/>
+          </p:cNvSpPr>
+          <p:nvPr>
+            <p:ph type="title"/>
+          </p:nvPr>
+        </p:nvSpPr>
+        <p:spPr>
+          <a:xfrm>
+            <a:off x="838200" y="176169"/>
+            <a:ext cx="10515600" cy="334424"/>
+          </a:xfrm>
+        </p:spPr>
+        <p:txBody>
+          <a:bodyPr>
+            <a:normAutofit/>
+          </a:bodyPr>
+          <a:lstStyle/>
+          <a:p>
+            <a:pPr algn="ctr"/>
+            <a:r>
+              <a:rPr lang="ru-RU" sz="1400" dirty="0">
+                <a:latin typeface="Times New Roman" panose="02020603050405020304" pitchFamily="18" charset="0"/>
+                <a:cs typeface="Times New Roman" panose="02020603050405020304" pitchFamily="18" charset="0"/>
+              </a:rPr>
+              <a:t>Задача №8</a:t>
+            </a:r>
+          </a:p>
+        </p:txBody>
+      </p:sp>
+      <p:sp>
+        <p:nvSpPr>
+          <p:cNvPr id="3" name="Текст 2">
+            <a:extLst>
+              <a:ext uri="{FF2B5EF4-FFF2-40B4-BE49-F238E27FC236}">
+                <a16:creationId xmlns:a16="http://schemas.microsoft.com/office/drawing/2014/main" id="{7A2822FC-0537-44BF-973E-18E9089D51A2}"/>
+              </a:ext>
+            </a:extLst>
+          </p:cNvPr>
+          <p:cNvSpPr>
+            <a:spLocks noGrp="1"/>
+          </p:cNvSpPr>
+          <p:nvPr>
+            <p:ph type="body" idx="1"/>
+          </p:nvPr>
+        </p:nvSpPr>
+        <p:spPr>
+          <a:xfrm>
+            <a:off x="831850" y="629175"/>
+            <a:ext cx="10515600" cy="864065"/>
+          </a:xfrm>
+        </p:spPr>
+        <p:txBody>
+          <a:bodyPr>
+            <a:normAutofit/>
+          </a:bodyPr>
+          <a:lstStyle/>
+          <a:p>
+            <a:r>
+              <a:rPr lang="ru-RU" sz="1400" dirty="0">
+                <a:solidFill>
+                  <a:schemeClr val="tx1"/>
+                </a:solidFill>
+                <a:latin typeface="Times New Roman" panose="02020603050405020304" pitchFamily="18" charset="0"/>
+                <a:cs typeface="Times New Roman" panose="02020603050405020304" pitchFamily="18" charset="0"/>
+              </a:rPr>
+              <a:t>Исходный код решения: </a:t>
+            </a:r>
+            <a:r>
+              <a:rPr lang="en-US" sz="1400" dirty="0">
+                <a:solidFill>
+                  <a:schemeClr val="tx1"/>
+                </a:solidFill>
+                <a:latin typeface="Times New Roman" panose="02020603050405020304" pitchFamily="18" charset="0"/>
+                <a:cs typeface="Times New Roman" panose="02020603050405020304" pitchFamily="18" charset="0"/>
+              </a:rPr>
+              <a:t>https://github.com/Vladnwx/Learn2023-2024/blob/master/src/lr1/Example</a:t>
+            </a:r>
+            <a:r>
+              <a:rPr lang="ru-RU" sz="1400" dirty="0">
+                <a:solidFill>
+                  <a:schemeClr val="tx1"/>
+                </a:solidFill>
+                <a:latin typeface="Times New Roman" panose="02020603050405020304" pitchFamily="18" charset="0"/>
+                <a:cs typeface="Times New Roman" panose="02020603050405020304" pitchFamily="18" charset="0"/>
+              </a:rPr>
+              <a:t>8</a:t>
+            </a:r>
+            <a:r>
+              <a:rPr lang="en-US" sz="1400" dirty="0">
+                <a:solidFill>
+                  <a:schemeClr val="tx1"/>
+                </a:solidFill>
+                <a:latin typeface="Times New Roman" panose="02020603050405020304" pitchFamily="18" charset="0"/>
+                <a:cs typeface="Times New Roman" panose="02020603050405020304" pitchFamily="18" charset="0"/>
+              </a:rPr>
+              <a:t>.java</a:t>
+            </a:r>
+            <a:endParaRPr lang="ru-RU" sz="1400" dirty="0">
+              <a:solidFill>
+                <a:schemeClr val="tx1"/>
+              </a:solidFill>
+              <a:latin typeface="Times New Roman" panose="02020603050405020304" pitchFamily="18" charset="0"/>
+              <a:cs typeface="Times New Roman" panose="02020603050405020304" pitchFamily="18" charset="0"/>
+            </a:endParaRPr>
+          </a:p>
+          <a:p>
+            <a:endParaRPr lang="ru-RU" sz="1400" dirty="0">
+              <a:solidFill>
+                <a:schemeClr val="tx1"/>
+              </a:solidFill>
+              <a:latin typeface="Times New Roman" panose="02020603050405020304" pitchFamily="18" charset="0"/>
+              <a:cs typeface="Times New Roman" panose="02020603050405020304" pitchFamily="18" charset="0"/>
+            </a:endParaRPr>
+          </a:p>
+        </p:txBody>
+      </p:sp>
+    </p:spTree>
+    <p:extLst>
+      <p:ext uri="{BB962C8B-B14F-4D97-AF65-F5344CB8AC3E}">
+        <p14:creationId xmlns:p14="http://schemas.microsoft.com/office/powerpoint/2010/main" val="924531143"/>
+      </p:ext>
+    </p:extLst>
+  </p:cSld>
+  <p:clrMapOvr>
+    <a:masterClrMapping/>
+  </p:clrMapOvr>
+</p:sld>
+</file>
+
+<file path=ppt/slides/slide12.xml><?xml version="1.0" encoding="utf-8"?>
+<p:sld xmlns:a="http://schemas.openxmlformats.org/drawingml/2006/main" xmlns:r="http://schemas.openxmlformats.org/officeDocument/2006/relationships" xmlns:p="http://schemas.openxmlformats.org/presentationml/2006/main">
+  <p:cSld>
+    <p:spTree>
+      <p:nvGrpSpPr>
+        <p:cNvPr id="1" name=""/>
+        <p:cNvGrpSpPr/>
+        <p:nvPr/>
+      </p:nvGrpSpPr>
+      <p:grpSpPr>
+        <a:xfrm>
+          <a:off x="0" y="0"/>
+          <a:ext cx="0" cy="0"/>
+          <a:chOff x="0" y="0"/>
+          <a:chExt cx="0" cy="0"/>
+        </a:xfrm>
+      </p:grpSpPr>
+      <p:sp>
+        <p:nvSpPr>
+          <p:cNvPr id="2" name="Заголовок 1">
+            <a:extLst>
+              <a:ext uri="{FF2B5EF4-FFF2-40B4-BE49-F238E27FC236}">
+                <a16:creationId xmlns:a16="http://schemas.microsoft.com/office/drawing/2014/main" id="{858A5C1F-E5B2-4EC1-9A3C-AAE441DF4D96}"/>
+              </a:ext>
+            </a:extLst>
+          </p:cNvPr>
+          <p:cNvSpPr>
+            <a:spLocks noGrp="1"/>
+          </p:cNvSpPr>
+          <p:nvPr>
+            <p:ph type="title"/>
+          </p:nvPr>
+        </p:nvSpPr>
+        <p:spPr>
+          <a:xfrm>
+            <a:off x="838200" y="176169"/>
+            <a:ext cx="10515600" cy="334424"/>
+          </a:xfrm>
+        </p:spPr>
+        <p:txBody>
+          <a:bodyPr>
+            <a:normAutofit/>
+          </a:bodyPr>
+          <a:lstStyle/>
+          <a:p>
+            <a:pPr algn="ctr"/>
+            <a:r>
+              <a:rPr lang="ru-RU" sz="1400" dirty="0">
+                <a:latin typeface="Times New Roman" panose="02020603050405020304" pitchFamily="18" charset="0"/>
+                <a:cs typeface="Times New Roman" panose="02020603050405020304" pitchFamily="18" charset="0"/>
+              </a:rPr>
+              <a:t>Задача №9</a:t>
+            </a:r>
+          </a:p>
+        </p:txBody>
+      </p:sp>
+      <p:sp>
+        <p:nvSpPr>
+          <p:cNvPr id="3" name="Текст 2">
+            <a:extLst>
+              <a:ext uri="{FF2B5EF4-FFF2-40B4-BE49-F238E27FC236}">
+                <a16:creationId xmlns:a16="http://schemas.microsoft.com/office/drawing/2014/main" id="{7A2822FC-0537-44BF-973E-18E9089D51A2}"/>
+              </a:ext>
+            </a:extLst>
+          </p:cNvPr>
+          <p:cNvSpPr>
+            <a:spLocks noGrp="1"/>
+          </p:cNvSpPr>
+          <p:nvPr>
+            <p:ph type="body" idx="1"/>
+          </p:nvPr>
+        </p:nvSpPr>
+        <p:spPr>
+          <a:xfrm>
+            <a:off x="831850" y="629175"/>
+            <a:ext cx="10515600" cy="864065"/>
+          </a:xfrm>
+        </p:spPr>
+        <p:txBody>
+          <a:bodyPr>
+            <a:normAutofit/>
+          </a:bodyPr>
+          <a:lstStyle/>
+          <a:p>
+            <a:r>
+              <a:rPr lang="ru-RU" sz="1400" dirty="0">
+                <a:solidFill>
+                  <a:schemeClr val="tx1"/>
+                </a:solidFill>
+                <a:latin typeface="Times New Roman" panose="02020603050405020304" pitchFamily="18" charset="0"/>
+                <a:cs typeface="Times New Roman" panose="02020603050405020304" pitchFamily="18" charset="0"/>
+              </a:rPr>
+              <a:t>Исходный код решения: </a:t>
+            </a:r>
+            <a:r>
+              <a:rPr lang="en-US" sz="1400" dirty="0">
+                <a:solidFill>
+                  <a:schemeClr val="tx1"/>
+                </a:solidFill>
+                <a:latin typeface="Times New Roman" panose="02020603050405020304" pitchFamily="18" charset="0"/>
+                <a:cs typeface="Times New Roman" panose="02020603050405020304" pitchFamily="18" charset="0"/>
+              </a:rPr>
+              <a:t>https://github.com/Vladnwx/Learn2023-2024/blob/master/src/lr1/Example</a:t>
+            </a:r>
+            <a:r>
+              <a:rPr lang="ru-RU" sz="1400" dirty="0">
+                <a:solidFill>
+                  <a:schemeClr val="tx1"/>
+                </a:solidFill>
+                <a:latin typeface="Times New Roman" panose="02020603050405020304" pitchFamily="18" charset="0"/>
+                <a:cs typeface="Times New Roman" panose="02020603050405020304" pitchFamily="18" charset="0"/>
+              </a:rPr>
+              <a:t>9</a:t>
+            </a:r>
+            <a:r>
+              <a:rPr lang="en-US" sz="1400" dirty="0">
+                <a:solidFill>
+                  <a:schemeClr val="tx1"/>
+                </a:solidFill>
+                <a:latin typeface="Times New Roman" panose="02020603050405020304" pitchFamily="18" charset="0"/>
+                <a:cs typeface="Times New Roman" panose="02020603050405020304" pitchFamily="18" charset="0"/>
+              </a:rPr>
+              <a:t>.java</a:t>
+            </a:r>
+            <a:endParaRPr lang="ru-RU" sz="1400" dirty="0">
+              <a:solidFill>
+                <a:schemeClr val="tx1"/>
+              </a:solidFill>
+              <a:latin typeface="Times New Roman" panose="02020603050405020304" pitchFamily="18" charset="0"/>
+              <a:cs typeface="Times New Roman" panose="02020603050405020304" pitchFamily="18" charset="0"/>
+            </a:endParaRPr>
+          </a:p>
+          <a:p>
+            <a:endParaRPr lang="ru-RU" sz="1400" dirty="0">
+              <a:solidFill>
+                <a:schemeClr val="tx1"/>
+              </a:solidFill>
+              <a:latin typeface="Times New Roman" panose="02020603050405020304" pitchFamily="18" charset="0"/>
+              <a:cs typeface="Times New Roman" panose="02020603050405020304" pitchFamily="18" charset="0"/>
+            </a:endParaRPr>
+          </a:p>
+        </p:txBody>
+      </p:sp>
+    </p:spTree>
+    <p:extLst>
+      <p:ext uri="{BB962C8B-B14F-4D97-AF65-F5344CB8AC3E}">
+        <p14:creationId xmlns:p14="http://schemas.microsoft.com/office/powerpoint/2010/main" val="2136339755"/>
+      </p:ext>
+    </p:extLst>
+  </p:cSld>
+  <p:clrMapOvr>
+    <a:masterClrMapping/>
+  </p:clrMapOvr>
+</p:sld>
+</file>
+
+<file path=ppt/slides/slide13.xml><?xml version="1.0" encoding="utf-8"?>
+<p:sld xmlns:a="http://schemas.openxmlformats.org/drawingml/2006/main" xmlns:r="http://schemas.openxmlformats.org/officeDocument/2006/relationships" xmlns:p="http://schemas.openxmlformats.org/presentationml/2006/main">
+  <p:cSld>
+    <p:spTree>
+      <p:nvGrpSpPr>
+        <p:cNvPr id="1" name=""/>
+        <p:cNvGrpSpPr/>
+        <p:nvPr/>
+      </p:nvGrpSpPr>
+      <p:grpSpPr>
+        <a:xfrm>
+          <a:off x="0" y="0"/>
+          <a:ext cx="0" cy="0"/>
+          <a:chOff x="0" y="0"/>
+          <a:chExt cx="0" cy="0"/>
+        </a:xfrm>
+      </p:grpSpPr>
+      <p:sp>
+        <p:nvSpPr>
+          <p:cNvPr id="2" name="Заголовок 1">
+            <a:extLst>
+              <a:ext uri="{FF2B5EF4-FFF2-40B4-BE49-F238E27FC236}">
+                <a16:creationId xmlns:a16="http://schemas.microsoft.com/office/drawing/2014/main" id="{858A5C1F-E5B2-4EC1-9A3C-AAE441DF4D96}"/>
+              </a:ext>
+            </a:extLst>
+          </p:cNvPr>
+          <p:cNvSpPr>
+            <a:spLocks noGrp="1"/>
+          </p:cNvSpPr>
+          <p:nvPr>
+            <p:ph type="title"/>
+          </p:nvPr>
+        </p:nvSpPr>
+        <p:spPr>
+          <a:xfrm>
+            <a:off x="838200" y="176169"/>
+            <a:ext cx="10515600" cy="334424"/>
+          </a:xfrm>
+        </p:spPr>
+        <p:txBody>
+          <a:bodyPr>
+            <a:normAutofit/>
+          </a:bodyPr>
+          <a:lstStyle/>
+          <a:p>
+            <a:pPr algn="ctr"/>
+            <a:r>
+              <a:rPr lang="ru-RU" sz="1400" dirty="0">
+                <a:latin typeface="Times New Roman" panose="02020603050405020304" pitchFamily="18" charset="0"/>
+                <a:cs typeface="Times New Roman" panose="02020603050405020304" pitchFamily="18" charset="0"/>
+              </a:rPr>
+              <a:t>Задача №10</a:t>
+            </a:r>
+          </a:p>
+        </p:txBody>
+      </p:sp>
+      <p:sp>
+        <p:nvSpPr>
+          <p:cNvPr id="3" name="Текст 2">
+            <a:extLst>
+              <a:ext uri="{FF2B5EF4-FFF2-40B4-BE49-F238E27FC236}">
+                <a16:creationId xmlns:a16="http://schemas.microsoft.com/office/drawing/2014/main" id="{7A2822FC-0537-44BF-973E-18E9089D51A2}"/>
+              </a:ext>
+            </a:extLst>
+          </p:cNvPr>
+          <p:cNvSpPr>
+            <a:spLocks noGrp="1"/>
+          </p:cNvSpPr>
+          <p:nvPr>
+            <p:ph type="body" idx="1"/>
+          </p:nvPr>
+        </p:nvSpPr>
+        <p:spPr>
+          <a:xfrm>
+            <a:off x="831850" y="629175"/>
+            <a:ext cx="10515600" cy="864065"/>
+          </a:xfrm>
+        </p:spPr>
+        <p:txBody>
+          <a:bodyPr>
+            <a:normAutofit/>
+          </a:bodyPr>
+          <a:lstStyle/>
+          <a:p>
+            <a:r>
+              <a:rPr lang="ru-RU" sz="1400" dirty="0">
+                <a:solidFill>
+                  <a:schemeClr val="tx1"/>
+                </a:solidFill>
+                <a:latin typeface="Times New Roman" panose="02020603050405020304" pitchFamily="18" charset="0"/>
+                <a:cs typeface="Times New Roman" panose="02020603050405020304" pitchFamily="18" charset="0"/>
+              </a:rPr>
+              <a:t>Исходный код решения: </a:t>
+            </a:r>
+            <a:r>
+              <a:rPr lang="en-US" sz="1400" dirty="0">
+                <a:solidFill>
+                  <a:schemeClr val="tx1"/>
+                </a:solidFill>
+                <a:latin typeface="Times New Roman" panose="02020603050405020304" pitchFamily="18" charset="0"/>
+                <a:cs typeface="Times New Roman" panose="02020603050405020304" pitchFamily="18" charset="0"/>
+              </a:rPr>
+              <a:t>https://github.com/Vladnwx/Learn2023-2024/blob/master/src/lr1/Example</a:t>
+            </a:r>
+            <a:r>
+              <a:rPr lang="ru-RU" sz="1400" dirty="0">
+                <a:solidFill>
+                  <a:schemeClr val="tx1"/>
+                </a:solidFill>
+                <a:latin typeface="Times New Roman" panose="02020603050405020304" pitchFamily="18" charset="0"/>
+                <a:cs typeface="Times New Roman" panose="02020603050405020304" pitchFamily="18" charset="0"/>
+              </a:rPr>
+              <a:t>10</a:t>
+            </a:r>
+            <a:r>
+              <a:rPr lang="en-US" sz="1400" dirty="0">
+                <a:solidFill>
+                  <a:schemeClr val="tx1"/>
+                </a:solidFill>
+                <a:latin typeface="Times New Roman" panose="02020603050405020304" pitchFamily="18" charset="0"/>
+                <a:cs typeface="Times New Roman" panose="02020603050405020304" pitchFamily="18" charset="0"/>
+              </a:rPr>
+              <a:t>.java</a:t>
+            </a:r>
+            <a:endParaRPr lang="ru-RU" sz="1400" dirty="0">
+              <a:solidFill>
+                <a:schemeClr val="tx1"/>
+              </a:solidFill>
+              <a:latin typeface="Times New Roman" panose="02020603050405020304" pitchFamily="18" charset="0"/>
+              <a:cs typeface="Times New Roman" panose="02020603050405020304" pitchFamily="18" charset="0"/>
+            </a:endParaRPr>
+          </a:p>
+          <a:p>
+            <a:endParaRPr lang="ru-RU" sz="1400" dirty="0">
+              <a:solidFill>
+                <a:schemeClr val="tx1"/>
+              </a:solidFill>
+              <a:latin typeface="Times New Roman" panose="02020603050405020304" pitchFamily="18" charset="0"/>
+              <a:cs typeface="Times New Roman" panose="02020603050405020304" pitchFamily="18" charset="0"/>
+            </a:endParaRPr>
+          </a:p>
+        </p:txBody>
+      </p:sp>
+    </p:spTree>
+    <p:extLst>
+      <p:ext uri="{BB962C8B-B14F-4D97-AF65-F5344CB8AC3E}">
+        <p14:creationId xmlns:p14="http://schemas.microsoft.com/office/powerpoint/2010/main" val="3196845005"/>
+      </p:ext>
+    </p:extLst>
+  </p:cSld>
+  <p:clrMapOvr>
+    <a:masterClrMapping/>
+  </p:clrMapOvr>
+</p:sld>
+</file>
+
+<file path=ppt/slides/slide14.xml><?xml version="1.0" encoding="utf-8"?>
+<p:sld xmlns:a="http://schemas.openxmlformats.org/drawingml/2006/main" xmlns:r="http://schemas.openxmlformats.org/officeDocument/2006/relationships" xmlns:p="http://schemas.openxmlformats.org/presentationml/2006/main">
+  <p:cSld>
+    <p:spTree>
+      <p:nvGrpSpPr>
+        <p:cNvPr id="1" name=""/>
+        <p:cNvGrpSpPr/>
+        <p:nvPr/>
+      </p:nvGrpSpPr>
+      <p:grpSpPr>
+        <a:xfrm>
+          <a:off x="0" y="0"/>
+          <a:ext cx="0" cy="0"/>
+          <a:chOff x="0" y="0"/>
+          <a:chExt cx="0" cy="0"/>
+        </a:xfrm>
+      </p:grpSpPr>
+      <p:sp>
+        <p:nvSpPr>
+          <p:cNvPr id="2" name="Заголовок 1">
+            <a:extLst>
+              <a:ext uri="{FF2B5EF4-FFF2-40B4-BE49-F238E27FC236}">
+                <a16:creationId xmlns:a16="http://schemas.microsoft.com/office/drawing/2014/main" id="{858A5C1F-E5B2-4EC1-9A3C-AAE441DF4D96}"/>
+              </a:ext>
+            </a:extLst>
+          </p:cNvPr>
+          <p:cNvSpPr>
+            <a:spLocks noGrp="1"/>
+          </p:cNvSpPr>
+          <p:nvPr>
+            <p:ph type="title"/>
+          </p:nvPr>
+        </p:nvSpPr>
+        <p:spPr>
+          <a:xfrm>
+            <a:off x="838200" y="176169"/>
+            <a:ext cx="10515600" cy="334424"/>
+          </a:xfrm>
+        </p:spPr>
+        <p:txBody>
+          <a:bodyPr>
+            <a:normAutofit/>
+          </a:bodyPr>
+          <a:lstStyle/>
+          <a:p>
+            <a:pPr algn="ctr"/>
+            <a:r>
+              <a:rPr lang="ru-RU" sz="1400" dirty="0">
+                <a:latin typeface="Times New Roman" panose="02020603050405020304" pitchFamily="18" charset="0"/>
+                <a:cs typeface="Times New Roman" panose="02020603050405020304" pitchFamily="18" charset="0"/>
+              </a:rPr>
+              <a:t>Задача №11</a:t>
+            </a:r>
+          </a:p>
+        </p:txBody>
+      </p:sp>
+      <p:sp>
+        <p:nvSpPr>
+          <p:cNvPr id="3" name="Текст 2">
+            <a:extLst>
+              <a:ext uri="{FF2B5EF4-FFF2-40B4-BE49-F238E27FC236}">
+                <a16:creationId xmlns:a16="http://schemas.microsoft.com/office/drawing/2014/main" id="{7A2822FC-0537-44BF-973E-18E9089D51A2}"/>
+              </a:ext>
+            </a:extLst>
+          </p:cNvPr>
+          <p:cNvSpPr>
+            <a:spLocks noGrp="1"/>
+          </p:cNvSpPr>
+          <p:nvPr>
+            <p:ph type="body" idx="1"/>
+          </p:nvPr>
+        </p:nvSpPr>
+        <p:spPr>
+          <a:xfrm>
+            <a:off x="831850" y="629175"/>
+            <a:ext cx="10515600" cy="864065"/>
+          </a:xfrm>
+        </p:spPr>
+        <p:txBody>
+          <a:bodyPr>
+            <a:normAutofit/>
+          </a:bodyPr>
+          <a:lstStyle/>
+          <a:p>
+            <a:r>
+              <a:rPr lang="ru-RU" sz="1400" dirty="0">
+                <a:solidFill>
+                  <a:schemeClr val="tx1"/>
+                </a:solidFill>
+                <a:latin typeface="Times New Roman" panose="02020603050405020304" pitchFamily="18" charset="0"/>
+                <a:cs typeface="Times New Roman" panose="02020603050405020304" pitchFamily="18" charset="0"/>
+              </a:rPr>
+              <a:t>Исходный код решения: </a:t>
+            </a:r>
+            <a:r>
+              <a:rPr lang="en-US" sz="1400" dirty="0">
+                <a:solidFill>
+                  <a:schemeClr val="tx1"/>
+                </a:solidFill>
+                <a:latin typeface="Times New Roman" panose="02020603050405020304" pitchFamily="18" charset="0"/>
+                <a:cs typeface="Times New Roman" panose="02020603050405020304" pitchFamily="18" charset="0"/>
+              </a:rPr>
+              <a:t>https://github.com/Vladnwx/Learn2023-2024/blob/master/src/lr1/Example</a:t>
+            </a:r>
+            <a:r>
+              <a:rPr lang="ru-RU" sz="1400" dirty="0">
+                <a:solidFill>
+                  <a:schemeClr val="tx1"/>
+                </a:solidFill>
+                <a:latin typeface="Times New Roman" panose="02020603050405020304" pitchFamily="18" charset="0"/>
+                <a:cs typeface="Times New Roman" panose="02020603050405020304" pitchFamily="18" charset="0"/>
+              </a:rPr>
+              <a:t>11</a:t>
+            </a:r>
+            <a:r>
+              <a:rPr lang="en-US" sz="1400" dirty="0">
+                <a:solidFill>
+                  <a:schemeClr val="tx1"/>
+                </a:solidFill>
+                <a:latin typeface="Times New Roman" panose="02020603050405020304" pitchFamily="18" charset="0"/>
+                <a:cs typeface="Times New Roman" panose="02020603050405020304" pitchFamily="18" charset="0"/>
+              </a:rPr>
+              <a:t>.java</a:t>
+            </a:r>
+            <a:endParaRPr lang="ru-RU" sz="1400" dirty="0">
+              <a:solidFill>
+                <a:schemeClr val="tx1"/>
+              </a:solidFill>
+              <a:latin typeface="Times New Roman" panose="02020603050405020304" pitchFamily="18" charset="0"/>
+              <a:cs typeface="Times New Roman" panose="02020603050405020304" pitchFamily="18" charset="0"/>
+            </a:endParaRPr>
+          </a:p>
+          <a:p>
+            <a:endParaRPr lang="ru-RU" sz="1400" dirty="0">
+              <a:solidFill>
+                <a:schemeClr val="tx1"/>
+              </a:solidFill>
+              <a:latin typeface="Times New Roman" panose="02020603050405020304" pitchFamily="18" charset="0"/>
+              <a:cs typeface="Times New Roman" panose="02020603050405020304" pitchFamily="18" charset="0"/>
+            </a:endParaRPr>
+          </a:p>
+        </p:txBody>
+      </p:sp>
+    </p:spTree>
+    <p:extLst>
+      <p:ext uri="{BB962C8B-B14F-4D97-AF65-F5344CB8AC3E}">
+        <p14:creationId xmlns:p14="http://schemas.microsoft.com/office/powerpoint/2010/main" val="4066306654"/>
+      </p:ext>
+    </p:extLst>
+  </p:cSld>
+  <p:clrMapOvr>
+    <a:masterClrMapping/>
+  </p:clrMapOvr>
+</p:sld>
+</file>
+
+<file path=ppt/slides/slide15.xml><?xml version="1.0" encoding="utf-8"?>
+<p:sld xmlns:a="http://schemas.openxmlformats.org/drawingml/2006/main" xmlns:r="http://schemas.openxmlformats.org/officeDocument/2006/relationships" xmlns:p="http://schemas.openxmlformats.org/presentationml/2006/main">
+  <p:cSld>
+    <p:spTree>
+      <p:nvGrpSpPr>
+        <p:cNvPr id="1" name=""/>
+        <p:cNvGrpSpPr/>
+        <p:nvPr/>
+      </p:nvGrpSpPr>
+      <p:grpSpPr>
+        <a:xfrm>
+          <a:off x="0" y="0"/>
+          <a:ext cx="0" cy="0"/>
+          <a:chOff x="0" y="0"/>
+          <a:chExt cx="0" cy="0"/>
+        </a:xfrm>
+      </p:grpSpPr>
+      <p:sp>
+        <p:nvSpPr>
+          <p:cNvPr id="2" name="Заголовок 1">
+            <a:extLst>
+              <a:ext uri="{FF2B5EF4-FFF2-40B4-BE49-F238E27FC236}">
+                <a16:creationId xmlns:a16="http://schemas.microsoft.com/office/drawing/2014/main" id="{858A5C1F-E5B2-4EC1-9A3C-AAE441DF4D96}"/>
+              </a:ext>
+            </a:extLst>
+          </p:cNvPr>
+          <p:cNvSpPr>
+            <a:spLocks noGrp="1"/>
+          </p:cNvSpPr>
+          <p:nvPr>
+            <p:ph type="title"/>
+          </p:nvPr>
+        </p:nvSpPr>
+        <p:spPr>
+          <a:xfrm>
+            <a:off x="838200" y="176169"/>
+            <a:ext cx="10515600" cy="334424"/>
+          </a:xfrm>
+        </p:spPr>
+        <p:txBody>
+          <a:bodyPr>
+            <a:normAutofit/>
+          </a:bodyPr>
+          <a:lstStyle/>
+          <a:p>
+            <a:pPr algn="ctr"/>
+            <a:r>
+              <a:rPr lang="ru-RU" sz="1400" dirty="0">
+                <a:latin typeface="Times New Roman" panose="02020603050405020304" pitchFamily="18" charset="0"/>
+                <a:cs typeface="Times New Roman" panose="02020603050405020304" pitchFamily="18" charset="0"/>
+              </a:rPr>
+              <a:t>Задача №12</a:t>
+            </a:r>
+          </a:p>
+        </p:txBody>
+      </p:sp>
+      <p:sp>
+        <p:nvSpPr>
+          <p:cNvPr id="3" name="Текст 2">
+            <a:extLst>
+              <a:ext uri="{FF2B5EF4-FFF2-40B4-BE49-F238E27FC236}">
+                <a16:creationId xmlns:a16="http://schemas.microsoft.com/office/drawing/2014/main" id="{7A2822FC-0537-44BF-973E-18E9089D51A2}"/>
+              </a:ext>
+            </a:extLst>
+          </p:cNvPr>
+          <p:cNvSpPr>
+            <a:spLocks noGrp="1"/>
+          </p:cNvSpPr>
+          <p:nvPr>
+            <p:ph type="body" idx="1"/>
+          </p:nvPr>
+        </p:nvSpPr>
+        <p:spPr>
+          <a:xfrm>
+            <a:off x="831850" y="629175"/>
+            <a:ext cx="10515600" cy="864065"/>
+          </a:xfrm>
+        </p:spPr>
+        <p:txBody>
+          <a:bodyPr>
+            <a:normAutofit/>
+          </a:bodyPr>
+          <a:lstStyle/>
+          <a:p>
+            <a:r>
+              <a:rPr lang="ru-RU" sz="1400" dirty="0">
+                <a:solidFill>
+                  <a:schemeClr val="tx1"/>
+                </a:solidFill>
+                <a:latin typeface="Times New Roman" panose="02020603050405020304" pitchFamily="18" charset="0"/>
+                <a:cs typeface="Times New Roman" panose="02020603050405020304" pitchFamily="18" charset="0"/>
+              </a:rPr>
+              <a:t>Исходный код решения: </a:t>
+            </a:r>
+            <a:r>
+              <a:rPr lang="en-US" sz="1400" dirty="0">
+                <a:solidFill>
+                  <a:schemeClr val="tx1"/>
+                </a:solidFill>
+                <a:latin typeface="Times New Roman" panose="02020603050405020304" pitchFamily="18" charset="0"/>
+                <a:cs typeface="Times New Roman" panose="02020603050405020304" pitchFamily="18" charset="0"/>
+              </a:rPr>
+              <a:t>https://github.com/Vladnwx/Learn2023-2024/blob/master/src/lr1/Example</a:t>
+            </a:r>
+            <a:r>
+              <a:rPr lang="ru-RU" sz="1400" dirty="0">
+                <a:solidFill>
+                  <a:schemeClr val="tx1"/>
+                </a:solidFill>
+                <a:latin typeface="Times New Roman" panose="02020603050405020304" pitchFamily="18" charset="0"/>
+                <a:cs typeface="Times New Roman" panose="02020603050405020304" pitchFamily="18" charset="0"/>
+              </a:rPr>
+              <a:t>12</a:t>
+            </a:r>
+            <a:r>
+              <a:rPr lang="en-US" sz="1400" dirty="0">
+                <a:solidFill>
+                  <a:schemeClr val="tx1"/>
+                </a:solidFill>
+                <a:latin typeface="Times New Roman" panose="02020603050405020304" pitchFamily="18" charset="0"/>
+                <a:cs typeface="Times New Roman" panose="02020603050405020304" pitchFamily="18" charset="0"/>
+              </a:rPr>
+              <a:t>.java</a:t>
+            </a:r>
+            <a:endParaRPr lang="ru-RU" sz="1400" dirty="0">
+              <a:solidFill>
+                <a:schemeClr val="tx1"/>
+              </a:solidFill>
+              <a:latin typeface="Times New Roman" panose="02020603050405020304" pitchFamily="18" charset="0"/>
+              <a:cs typeface="Times New Roman" panose="02020603050405020304" pitchFamily="18" charset="0"/>
+            </a:endParaRPr>
+          </a:p>
+          <a:p>
+            <a:endParaRPr lang="ru-RU" sz="1400" dirty="0">
+              <a:solidFill>
+                <a:schemeClr val="tx1"/>
+              </a:solidFill>
+              <a:latin typeface="Times New Roman" panose="02020603050405020304" pitchFamily="18" charset="0"/>
+              <a:cs typeface="Times New Roman" panose="02020603050405020304" pitchFamily="18" charset="0"/>
+            </a:endParaRPr>
+          </a:p>
+        </p:txBody>
+      </p:sp>
+    </p:spTree>
+    <p:extLst>
+      <p:ext uri="{BB962C8B-B14F-4D97-AF65-F5344CB8AC3E}">
+        <p14:creationId xmlns:p14="http://schemas.microsoft.com/office/powerpoint/2010/main" val="3198480665"/>
+      </p:ext>
+    </p:extLst>
+  </p:cSld>
+  <p:clrMapOvr>
+    <a:masterClrMapping/>
+  </p:clrMapOvr>
+</p:sld>
+</file>
+
+<file path=ppt/slides/slide16.xml><?xml version="1.0" encoding="utf-8"?>
+<p:sld xmlns:a="http://schemas.openxmlformats.org/drawingml/2006/main" xmlns:r="http://schemas.openxmlformats.org/officeDocument/2006/relationships" xmlns:p="http://schemas.openxmlformats.org/presentationml/2006/main">
+  <p:cSld>
+    <p:spTree>
+      <p:nvGrpSpPr>
+        <p:cNvPr id="1" name=""/>
+        <p:cNvGrpSpPr/>
+        <p:nvPr/>
+      </p:nvGrpSpPr>
+      <p:grpSpPr>
+        <a:xfrm>
+          <a:off x="0" y="0"/>
+          <a:ext cx="0" cy="0"/>
+          <a:chOff x="0" y="0"/>
+          <a:chExt cx="0" cy="0"/>
+        </a:xfrm>
+      </p:grpSpPr>
+      <p:sp>
+        <p:nvSpPr>
+          <p:cNvPr id="2" name="Заголовок 1">
+            <a:extLst>
+              <a:ext uri="{FF2B5EF4-FFF2-40B4-BE49-F238E27FC236}">
+                <a16:creationId xmlns:a16="http://schemas.microsoft.com/office/drawing/2014/main" id="{858A5C1F-E5B2-4EC1-9A3C-AAE441DF4D96}"/>
+              </a:ext>
+            </a:extLst>
+          </p:cNvPr>
+          <p:cNvSpPr>
+            <a:spLocks noGrp="1"/>
+          </p:cNvSpPr>
+          <p:nvPr>
+            <p:ph type="title"/>
+          </p:nvPr>
+        </p:nvSpPr>
+        <p:spPr>
+          <a:xfrm>
+            <a:off x="838200" y="176169"/>
+            <a:ext cx="10515600" cy="334424"/>
+          </a:xfrm>
+        </p:spPr>
+        <p:txBody>
+          <a:bodyPr>
+            <a:normAutofit/>
+          </a:bodyPr>
+          <a:lstStyle/>
+          <a:p>
+            <a:pPr algn="ctr"/>
+            <a:r>
+              <a:rPr lang="ru-RU" sz="1400" dirty="0">
+                <a:latin typeface="Times New Roman" panose="02020603050405020304" pitchFamily="18" charset="0"/>
+                <a:cs typeface="Times New Roman" panose="02020603050405020304" pitchFamily="18" charset="0"/>
+              </a:rPr>
+              <a:t>Задача №13</a:t>
+            </a:r>
+          </a:p>
+        </p:txBody>
+      </p:sp>
+      <p:sp>
+        <p:nvSpPr>
+          <p:cNvPr id="3" name="Текст 2">
+            <a:extLst>
+              <a:ext uri="{FF2B5EF4-FFF2-40B4-BE49-F238E27FC236}">
+                <a16:creationId xmlns:a16="http://schemas.microsoft.com/office/drawing/2014/main" id="{7A2822FC-0537-44BF-973E-18E9089D51A2}"/>
+              </a:ext>
+            </a:extLst>
+          </p:cNvPr>
+          <p:cNvSpPr>
+            <a:spLocks noGrp="1"/>
+          </p:cNvSpPr>
+          <p:nvPr>
+            <p:ph type="body" idx="1"/>
+          </p:nvPr>
+        </p:nvSpPr>
+        <p:spPr>
+          <a:xfrm>
+            <a:off x="831850" y="629175"/>
+            <a:ext cx="10515600" cy="864065"/>
+          </a:xfrm>
+        </p:spPr>
+        <p:txBody>
+          <a:bodyPr>
+            <a:normAutofit/>
+          </a:bodyPr>
+          <a:lstStyle/>
+          <a:p>
+            <a:r>
+              <a:rPr lang="ru-RU" sz="1400" dirty="0">
+                <a:solidFill>
+                  <a:schemeClr val="tx1"/>
+                </a:solidFill>
+                <a:latin typeface="Times New Roman" panose="02020603050405020304" pitchFamily="18" charset="0"/>
+                <a:cs typeface="Times New Roman" panose="02020603050405020304" pitchFamily="18" charset="0"/>
+              </a:rPr>
+              <a:t>Исходный код решения: </a:t>
+            </a:r>
+            <a:r>
+              <a:rPr lang="en-US" sz="1400" dirty="0">
+                <a:solidFill>
+                  <a:schemeClr val="tx1"/>
+                </a:solidFill>
+                <a:latin typeface="Times New Roman" panose="02020603050405020304" pitchFamily="18" charset="0"/>
+                <a:cs typeface="Times New Roman" panose="02020603050405020304" pitchFamily="18" charset="0"/>
+              </a:rPr>
+              <a:t>https://github.com/Vladnwx/Learn2023-2024/blob/master/src/lr1/Example</a:t>
+            </a:r>
+            <a:r>
+              <a:rPr lang="ru-RU" sz="1400" dirty="0">
+                <a:solidFill>
+                  <a:schemeClr val="tx1"/>
+                </a:solidFill>
+                <a:latin typeface="Times New Roman" panose="02020603050405020304" pitchFamily="18" charset="0"/>
+                <a:cs typeface="Times New Roman" panose="02020603050405020304" pitchFamily="18" charset="0"/>
+              </a:rPr>
+              <a:t>13</a:t>
+            </a:r>
+            <a:r>
+              <a:rPr lang="en-US" sz="1400" dirty="0">
+                <a:solidFill>
+                  <a:schemeClr val="tx1"/>
+                </a:solidFill>
+                <a:latin typeface="Times New Roman" panose="02020603050405020304" pitchFamily="18" charset="0"/>
+                <a:cs typeface="Times New Roman" panose="02020603050405020304" pitchFamily="18" charset="0"/>
+              </a:rPr>
+              <a:t>.java</a:t>
+            </a:r>
+            <a:endParaRPr lang="ru-RU" sz="1400" dirty="0">
+              <a:solidFill>
+                <a:schemeClr val="tx1"/>
+              </a:solidFill>
+              <a:latin typeface="Times New Roman" panose="02020603050405020304" pitchFamily="18" charset="0"/>
+              <a:cs typeface="Times New Roman" panose="02020603050405020304" pitchFamily="18" charset="0"/>
+            </a:endParaRPr>
+          </a:p>
+          <a:p>
+            <a:endParaRPr lang="ru-RU" sz="1400" dirty="0">
+              <a:solidFill>
+                <a:schemeClr val="tx1"/>
+              </a:solidFill>
+              <a:latin typeface="Times New Roman" panose="02020603050405020304" pitchFamily="18" charset="0"/>
+              <a:cs typeface="Times New Roman" panose="02020603050405020304" pitchFamily="18" charset="0"/>
+            </a:endParaRPr>
+          </a:p>
+        </p:txBody>
+      </p:sp>
+    </p:spTree>
+    <p:extLst>
+      <p:ext uri="{BB962C8B-B14F-4D97-AF65-F5344CB8AC3E}">
+        <p14:creationId xmlns:p14="http://schemas.microsoft.com/office/powerpoint/2010/main" val="2471967670"/>
+      </p:ext>
+    </p:extLst>
+  </p:cSld>
+  <p:clrMapOvr>
+    <a:masterClrMapping/>
+  </p:clrMapOvr>
+</p:sld>
+</file>
+
+<file path=ppt/slides/slide17.xml><?xml version="1.0" encoding="utf-8"?>
+<p:sld xmlns:a="http://schemas.openxmlformats.org/drawingml/2006/main" xmlns:r="http://schemas.openxmlformats.org/officeDocument/2006/relationships" xmlns:p="http://schemas.openxmlformats.org/presentationml/2006/main">
+  <p:cSld>
+    <p:spTree>
+      <p:nvGrpSpPr>
+        <p:cNvPr id="1" name=""/>
+        <p:cNvGrpSpPr/>
+        <p:nvPr/>
+      </p:nvGrpSpPr>
+      <p:grpSpPr>
+        <a:xfrm>
+          <a:off x="0" y="0"/>
+          <a:ext cx="0" cy="0"/>
+          <a:chOff x="0" y="0"/>
+          <a:chExt cx="0" cy="0"/>
+        </a:xfrm>
+      </p:grpSpPr>
+      <p:sp>
+        <p:nvSpPr>
+          <p:cNvPr id="2" name="Заголовок 1">
+            <a:extLst>
+              <a:ext uri="{FF2B5EF4-FFF2-40B4-BE49-F238E27FC236}">
+                <a16:creationId xmlns:a16="http://schemas.microsoft.com/office/drawing/2014/main" id="{858A5C1F-E5B2-4EC1-9A3C-AAE441DF4D96}"/>
+              </a:ext>
+            </a:extLst>
+          </p:cNvPr>
+          <p:cNvSpPr>
+            <a:spLocks noGrp="1"/>
+          </p:cNvSpPr>
+          <p:nvPr>
+            <p:ph type="title"/>
+          </p:nvPr>
+        </p:nvSpPr>
+        <p:spPr>
+          <a:xfrm>
+            <a:off x="838200" y="176169"/>
+            <a:ext cx="10515600" cy="334424"/>
+          </a:xfrm>
+        </p:spPr>
+        <p:txBody>
+          <a:bodyPr>
+            <a:normAutofit/>
+          </a:bodyPr>
+          <a:lstStyle/>
+          <a:p>
+            <a:pPr algn="ctr"/>
+            <a:r>
+              <a:rPr lang="ru-RU" sz="1400" dirty="0">
+                <a:latin typeface="Times New Roman" panose="02020603050405020304" pitchFamily="18" charset="0"/>
+                <a:cs typeface="Times New Roman" panose="02020603050405020304" pitchFamily="18" charset="0"/>
+              </a:rPr>
+              <a:t>Задача №14</a:t>
+            </a:r>
+          </a:p>
+        </p:txBody>
+      </p:sp>
+      <p:sp>
+        <p:nvSpPr>
+          <p:cNvPr id="3" name="Текст 2">
+            <a:extLst>
+              <a:ext uri="{FF2B5EF4-FFF2-40B4-BE49-F238E27FC236}">
+                <a16:creationId xmlns:a16="http://schemas.microsoft.com/office/drawing/2014/main" id="{7A2822FC-0537-44BF-973E-18E9089D51A2}"/>
+              </a:ext>
+            </a:extLst>
+          </p:cNvPr>
+          <p:cNvSpPr>
+            <a:spLocks noGrp="1"/>
+          </p:cNvSpPr>
+          <p:nvPr>
+            <p:ph type="body" idx="1"/>
+          </p:nvPr>
+        </p:nvSpPr>
+        <p:spPr>
+          <a:xfrm>
+            <a:off x="831850" y="629175"/>
+            <a:ext cx="10515600" cy="864065"/>
+          </a:xfrm>
+        </p:spPr>
+        <p:txBody>
+          <a:bodyPr>
+            <a:normAutofit/>
+          </a:bodyPr>
+          <a:lstStyle/>
+          <a:p>
+            <a:r>
+              <a:rPr lang="ru-RU" sz="1400" dirty="0">
+                <a:solidFill>
+                  <a:schemeClr val="tx1"/>
+                </a:solidFill>
+                <a:latin typeface="Times New Roman" panose="02020603050405020304" pitchFamily="18" charset="0"/>
+                <a:cs typeface="Times New Roman" panose="02020603050405020304" pitchFamily="18" charset="0"/>
+              </a:rPr>
+              <a:t>Исходный код решения: </a:t>
+            </a:r>
+            <a:r>
+              <a:rPr lang="en-US" sz="1400" dirty="0">
+                <a:solidFill>
+                  <a:schemeClr val="tx1"/>
+                </a:solidFill>
+                <a:latin typeface="Times New Roman" panose="02020603050405020304" pitchFamily="18" charset="0"/>
+                <a:cs typeface="Times New Roman" panose="02020603050405020304" pitchFamily="18" charset="0"/>
+              </a:rPr>
+              <a:t>https://github.com/Vladnwx/Learn2023-2024/blob/master/src/lr1/Example</a:t>
+            </a:r>
+            <a:r>
+              <a:rPr lang="ru-RU" sz="1400" dirty="0">
+                <a:solidFill>
+                  <a:schemeClr val="tx1"/>
+                </a:solidFill>
+                <a:latin typeface="Times New Roman" panose="02020603050405020304" pitchFamily="18" charset="0"/>
+                <a:cs typeface="Times New Roman" panose="02020603050405020304" pitchFamily="18" charset="0"/>
+              </a:rPr>
+              <a:t>14</a:t>
+            </a:r>
+            <a:r>
+              <a:rPr lang="en-US" sz="1400" dirty="0">
+                <a:solidFill>
+                  <a:schemeClr val="tx1"/>
+                </a:solidFill>
+                <a:latin typeface="Times New Roman" panose="02020603050405020304" pitchFamily="18" charset="0"/>
+                <a:cs typeface="Times New Roman" panose="02020603050405020304" pitchFamily="18" charset="0"/>
+              </a:rPr>
+              <a:t>.java</a:t>
+            </a:r>
+            <a:endParaRPr lang="ru-RU" sz="1400" dirty="0">
+              <a:solidFill>
+                <a:schemeClr val="tx1"/>
+              </a:solidFill>
+              <a:latin typeface="Times New Roman" panose="02020603050405020304" pitchFamily="18" charset="0"/>
+              <a:cs typeface="Times New Roman" panose="02020603050405020304" pitchFamily="18" charset="0"/>
+            </a:endParaRPr>
+          </a:p>
+          <a:p>
+            <a:endParaRPr lang="ru-RU" sz="1400" dirty="0">
+              <a:solidFill>
+                <a:schemeClr val="tx1"/>
+              </a:solidFill>
+              <a:latin typeface="Times New Roman" panose="02020603050405020304" pitchFamily="18" charset="0"/>
+              <a:cs typeface="Times New Roman" panose="02020603050405020304" pitchFamily="18" charset="0"/>
+            </a:endParaRPr>
+          </a:p>
+        </p:txBody>
+      </p:sp>
+    </p:spTree>
+    <p:extLst>
+      <p:ext uri="{BB962C8B-B14F-4D97-AF65-F5344CB8AC3E}">
+        <p14:creationId xmlns:p14="http://schemas.microsoft.com/office/powerpoint/2010/main" val="4289064911"/>
+      </p:ext>
+    </p:extLst>
+  </p:cSld>
+  <p:clrMapOvr>
+    <a:masterClrMapping/>
+  </p:clrMapOvr>
+</p:sld>
+</file>
+
+<file path=ppt/slides/slide18.xml><?xml version="1.0" encoding="utf-8"?>
+<p:sld xmlns:a="http://schemas.openxmlformats.org/drawingml/2006/main" xmlns:r="http://schemas.openxmlformats.org/officeDocument/2006/relationships" xmlns:p="http://schemas.openxmlformats.org/presentationml/2006/main">
+  <p:cSld>
+    <p:spTree>
+      <p:nvGrpSpPr>
+        <p:cNvPr id="1" name=""/>
+        <p:cNvGrpSpPr/>
+        <p:nvPr/>
+      </p:nvGrpSpPr>
+      <p:grpSpPr>
+        <a:xfrm>
+          <a:off x="0" y="0"/>
+          <a:ext cx="0" cy="0"/>
+          <a:chOff x="0" y="0"/>
+          <a:chExt cx="0" cy="0"/>
+        </a:xfrm>
+      </p:grpSpPr>
+      <p:sp>
+        <p:nvSpPr>
+          <p:cNvPr id="2" name="Заголовок 1">
+            <a:extLst>
+              <a:ext uri="{FF2B5EF4-FFF2-40B4-BE49-F238E27FC236}">
+                <a16:creationId xmlns:a16="http://schemas.microsoft.com/office/drawing/2014/main" id="{858A5C1F-E5B2-4EC1-9A3C-AAE441DF4D96}"/>
+              </a:ext>
+            </a:extLst>
+          </p:cNvPr>
+          <p:cNvSpPr>
+            <a:spLocks noGrp="1"/>
+          </p:cNvSpPr>
+          <p:nvPr>
+            <p:ph type="title"/>
+          </p:nvPr>
+        </p:nvSpPr>
+        <p:spPr>
+          <a:xfrm>
+            <a:off x="838200" y="176169"/>
+            <a:ext cx="10515600" cy="334424"/>
+          </a:xfrm>
+        </p:spPr>
+        <p:txBody>
+          <a:bodyPr>
+            <a:normAutofit/>
+          </a:bodyPr>
+          <a:lstStyle/>
+          <a:p>
+            <a:pPr algn="ctr"/>
+            <a:r>
+              <a:rPr lang="ru-RU" sz="1400" dirty="0">
+                <a:latin typeface="Times New Roman" panose="02020603050405020304" pitchFamily="18" charset="0"/>
+                <a:cs typeface="Times New Roman" panose="02020603050405020304" pitchFamily="18" charset="0"/>
+              </a:rPr>
+              <a:t>Задача №15</a:t>
+            </a:r>
+          </a:p>
+        </p:txBody>
+      </p:sp>
+      <p:sp>
+        <p:nvSpPr>
+          <p:cNvPr id="3" name="Текст 2">
+            <a:extLst>
+              <a:ext uri="{FF2B5EF4-FFF2-40B4-BE49-F238E27FC236}">
+                <a16:creationId xmlns:a16="http://schemas.microsoft.com/office/drawing/2014/main" id="{7A2822FC-0537-44BF-973E-18E9089D51A2}"/>
+              </a:ext>
+            </a:extLst>
+          </p:cNvPr>
+          <p:cNvSpPr>
+            <a:spLocks noGrp="1"/>
+          </p:cNvSpPr>
+          <p:nvPr>
+            <p:ph type="body" idx="1"/>
+          </p:nvPr>
+        </p:nvSpPr>
+        <p:spPr>
+          <a:xfrm>
+            <a:off x="831850" y="629175"/>
+            <a:ext cx="10515600" cy="864065"/>
+          </a:xfrm>
+        </p:spPr>
+        <p:txBody>
+          <a:bodyPr>
+            <a:normAutofit/>
+          </a:bodyPr>
+          <a:lstStyle/>
+          <a:p>
+            <a:r>
+              <a:rPr lang="ru-RU" sz="1400" dirty="0">
+                <a:solidFill>
+                  <a:schemeClr val="tx1"/>
+                </a:solidFill>
+                <a:latin typeface="Times New Roman" panose="02020603050405020304" pitchFamily="18" charset="0"/>
+                <a:cs typeface="Times New Roman" panose="02020603050405020304" pitchFamily="18" charset="0"/>
+              </a:rPr>
+              <a:t>Исходный код решения: </a:t>
+            </a:r>
+            <a:r>
+              <a:rPr lang="en-US" sz="1400" dirty="0">
+                <a:solidFill>
+                  <a:schemeClr val="tx1"/>
+                </a:solidFill>
+                <a:latin typeface="Times New Roman" panose="02020603050405020304" pitchFamily="18" charset="0"/>
+                <a:cs typeface="Times New Roman" panose="02020603050405020304" pitchFamily="18" charset="0"/>
+              </a:rPr>
+              <a:t>https://github.com/Vladnwx/Learn2023-2024/blob/master/src/lr1/Example</a:t>
+            </a:r>
+            <a:r>
+              <a:rPr lang="ru-RU" sz="1400" dirty="0">
+                <a:solidFill>
+                  <a:schemeClr val="tx1"/>
+                </a:solidFill>
+                <a:latin typeface="Times New Roman" panose="02020603050405020304" pitchFamily="18" charset="0"/>
+                <a:cs typeface="Times New Roman" panose="02020603050405020304" pitchFamily="18" charset="0"/>
+              </a:rPr>
+              <a:t>15</a:t>
+            </a:r>
+            <a:r>
+              <a:rPr lang="en-US" sz="1400" dirty="0">
+                <a:solidFill>
+                  <a:schemeClr val="tx1"/>
+                </a:solidFill>
+                <a:latin typeface="Times New Roman" panose="02020603050405020304" pitchFamily="18" charset="0"/>
+                <a:cs typeface="Times New Roman" panose="02020603050405020304" pitchFamily="18" charset="0"/>
+              </a:rPr>
+              <a:t>.java</a:t>
+            </a:r>
+            <a:endParaRPr lang="ru-RU" sz="1400" dirty="0">
+              <a:solidFill>
+                <a:schemeClr val="tx1"/>
+              </a:solidFill>
+              <a:latin typeface="Times New Roman" panose="02020603050405020304" pitchFamily="18" charset="0"/>
+              <a:cs typeface="Times New Roman" panose="02020603050405020304" pitchFamily="18" charset="0"/>
+            </a:endParaRPr>
+          </a:p>
+          <a:p>
+            <a:endParaRPr lang="ru-RU" sz="1400" dirty="0">
+              <a:solidFill>
+                <a:schemeClr val="tx1"/>
+              </a:solidFill>
+              <a:latin typeface="Times New Roman" panose="02020603050405020304" pitchFamily="18" charset="0"/>
+              <a:cs typeface="Times New Roman" panose="02020603050405020304" pitchFamily="18" charset="0"/>
+            </a:endParaRPr>
+          </a:p>
+        </p:txBody>
+      </p:sp>
+    </p:spTree>
+    <p:extLst>
+      <p:ext uri="{BB962C8B-B14F-4D97-AF65-F5344CB8AC3E}">
+        <p14:creationId xmlns:p14="http://schemas.microsoft.com/office/powerpoint/2010/main" val="3386037698"/>
+      </p:ext>
+    </p:extLst>
+  </p:cSld>
+  <p:clrMapOvr>
+    <a:masterClrMapping/>
+  </p:clrMapOvr>
+</p:sld>
+</file>
+
+<file path=ppt/slides/slide19.xml><?xml version="1.0" encoding="utf-8"?>
+<p:sld xmlns:a="http://schemas.openxmlformats.org/drawingml/2006/main" xmlns:r="http://schemas.openxmlformats.org/officeDocument/2006/relationships" xmlns:p="http://schemas.openxmlformats.org/presentationml/2006/main">
+  <p:cSld>
+    <p:spTree>
+      <p:nvGrpSpPr>
+        <p:cNvPr id="1" name=""/>
+        <p:cNvGrpSpPr/>
+        <p:nvPr/>
+      </p:nvGrpSpPr>
+      <p:grpSpPr>
+        <a:xfrm>
+          <a:off x="0" y="0"/>
+          <a:ext cx="0" cy="0"/>
+          <a:chOff x="0" y="0"/>
+          <a:chExt cx="0" cy="0"/>
+        </a:xfrm>
+      </p:grpSpPr>
+      <p:sp>
+        <p:nvSpPr>
+          <p:cNvPr id="2" name="Заголовок 1">
+            <a:extLst>
+              <a:ext uri="{FF2B5EF4-FFF2-40B4-BE49-F238E27FC236}">
+                <a16:creationId xmlns:a16="http://schemas.microsoft.com/office/drawing/2014/main" id="{858A5C1F-E5B2-4EC1-9A3C-AAE441DF4D96}"/>
+              </a:ext>
+            </a:extLst>
+          </p:cNvPr>
+          <p:cNvSpPr>
+            <a:spLocks noGrp="1"/>
+          </p:cNvSpPr>
+          <p:nvPr>
+            <p:ph type="title"/>
+          </p:nvPr>
+        </p:nvSpPr>
+        <p:spPr>
+          <a:xfrm>
+            <a:off x="838200" y="176169"/>
+            <a:ext cx="10515600" cy="334424"/>
+          </a:xfrm>
+        </p:spPr>
+        <p:txBody>
+          <a:bodyPr>
+            <a:normAutofit/>
+          </a:bodyPr>
+          <a:lstStyle/>
+          <a:p>
+            <a:pPr algn="ctr"/>
+            <a:r>
+              <a:rPr lang="ru-RU" sz="1400" dirty="0">
+                <a:latin typeface="Times New Roman" panose="02020603050405020304" pitchFamily="18" charset="0"/>
+                <a:cs typeface="Times New Roman" panose="02020603050405020304" pitchFamily="18" charset="0"/>
+              </a:rPr>
+              <a:t>Задача </a:t>
+            </a:r>
+            <a:r>
+              <a:rPr lang="en-US" sz="1400" dirty="0" err="1">
+                <a:latin typeface="Times New Roman" panose="02020603050405020304" pitchFamily="18" charset="0"/>
+                <a:cs typeface="Times New Roman" panose="02020603050405020304" pitchFamily="18" charset="0"/>
+              </a:rPr>
+              <a:t>timus</a:t>
+            </a:r>
+            <a:r>
+              <a:rPr lang="en-US" sz="1400" dirty="0">
+                <a:latin typeface="Times New Roman" panose="02020603050405020304" pitchFamily="18" charset="0"/>
+                <a:cs typeface="Times New Roman" panose="02020603050405020304" pitchFamily="18" charset="0"/>
+              </a:rPr>
+              <a:t> 1000</a:t>
+            </a:r>
+            <a:endParaRPr lang="ru-RU" sz="1400" dirty="0">
+              <a:latin typeface="Times New Roman" panose="02020603050405020304" pitchFamily="18" charset="0"/>
+              <a:cs typeface="Times New Roman" panose="02020603050405020304" pitchFamily="18" charset="0"/>
+            </a:endParaRPr>
+          </a:p>
+        </p:txBody>
+      </p:sp>
+      <p:sp>
+        <p:nvSpPr>
+          <p:cNvPr id="3" name="Текст 2">
+            <a:extLst>
+              <a:ext uri="{FF2B5EF4-FFF2-40B4-BE49-F238E27FC236}">
+                <a16:creationId xmlns:a16="http://schemas.microsoft.com/office/drawing/2014/main" id="{7A2822FC-0537-44BF-973E-18E9089D51A2}"/>
+              </a:ext>
+            </a:extLst>
+          </p:cNvPr>
+          <p:cNvSpPr>
+            <a:spLocks noGrp="1"/>
+          </p:cNvSpPr>
+          <p:nvPr>
+            <p:ph type="body" idx="1"/>
+          </p:nvPr>
+        </p:nvSpPr>
+        <p:spPr>
+          <a:xfrm>
+            <a:off x="831850" y="629175"/>
+            <a:ext cx="10515600" cy="864065"/>
+          </a:xfrm>
+        </p:spPr>
+        <p:txBody>
+          <a:bodyPr>
+            <a:normAutofit/>
+          </a:bodyPr>
+          <a:lstStyle/>
+          <a:p>
+            <a:r>
+              <a:rPr lang="ru-RU" sz="1400" dirty="0">
+                <a:solidFill>
+                  <a:schemeClr val="tx1"/>
+                </a:solidFill>
+                <a:latin typeface="Times New Roman" panose="02020603050405020304" pitchFamily="18" charset="0"/>
+                <a:cs typeface="Times New Roman" panose="02020603050405020304" pitchFamily="18" charset="0"/>
+              </a:rPr>
+              <a:t>Исходный код решения: </a:t>
+            </a:r>
+            <a:r>
+              <a:rPr lang="en-US" sz="1400" dirty="0">
+                <a:solidFill>
+                  <a:schemeClr val="tx1"/>
+                </a:solidFill>
+                <a:latin typeface="Times New Roman" panose="02020603050405020304" pitchFamily="18" charset="0"/>
+                <a:cs typeface="Times New Roman" panose="02020603050405020304" pitchFamily="18" charset="0"/>
+              </a:rPr>
+              <a:t>https://github.com/Vladnwx/Learn2023-2024/blob/master/src/timus/task_1000/Main.java</a:t>
+            </a:r>
+            <a:endParaRPr lang="ru-RU" sz="1400" dirty="0">
+              <a:solidFill>
+                <a:schemeClr val="tx1"/>
+              </a:solidFill>
+              <a:latin typeface="Times New Roman" panose="02020603050405020304" pitchFamily="18" charset="0"/>
+              <a:cs typeface="Times New Roman" panose="02020603050405020304" pitchFamily="18" charset="0"/>
+            </a:endParaRPr>
+          </a:p>
+        </p:txBody>
+      </p:sp>
+    </p:spTree>
+    <p:extLst>
+      <p:ext uri="{BB962C8B-B14F-4D97-AF65-F5344CB8AC3E}">
+        <p14:creationId xmlns:p14="http://schemas.microsoft.com/office/powerpoint/2010/main" val="1281469122"/>
       </p:ext>
     </p:extLst>
   </p:cSld>
@@ -3607,6 +5228,174 @@
           </a:bodyPr>
           <a:lstStyle/>
           <a:p>
+            <a:r>
+              <a:rPr lang="ru-RU" sz="1400" dirty="0">
+                <a:solidFill>
+                  <a:schemeClr val="tx1"/>
+                </a:solidFill>
+                <a:latin typeface="Times New Roman" panose="02020603050405020304" pitchFamily="18" charset="0"/>
+                <a:cs typeface="Times New Roman" panose="02020603050405020304" pitchFamily="18" charset="0"/>
+              </a:rPr>
+              <a:t>Получить представление о написание программ на языке программирования Java с использованием командной строки, интегрированной среды разработки, а также решение задач на сайте </a:t>
+            </a:r>
+            <a:r>
+              <a:rPr lang="ru-RU" sz="1400" dirty="0" err="1">
+                <a:solidFill>
+                  <a:schemeClr val="tx1"/>
+                </a:solidFill>
+                <a:latin typeface="Times New Roman" panose="02020603050405020304" pitchFamily="18" charset="0"/>
+                <a:cs typeface="Times New Roman" panose="02020603050405020304" pitchFamily="18" charset="0"/>
+              </a:rPr>
+              <a:t>timus</a:t>
+            </a:r>
+            <a:r>
+              <a:rPr lang="ru-RU" sz="1400" dirty="0">
+                <a:solidFill>
+                  <a:schemeClr val="tx1"/>
+                </a:solidFill>
+                <a:latin typeface="Times New Roman" panose="02020603050405020304" pitchFamily="18" charset="0"/>
+                <a:cs typeface="Times New Roman" panose="02020603050405020304" pitchFamily="18" charset="0"/>
+              </a:rPr>
+              <a:t>.</a:t>
+            </a:r>
+          </a:p>
+        </p:txBody>
+      </p:sp>
+    </p:spTree>
+    <p:extLst>
+      <p:ext uri="{BB962C8B-B14F-4D97-AF65-F5344CB8AC3E}">
+        <p14:creationId xmlns:p14="http://schemas.microsoft.com/office/powerpoint/2010/main" val="2427791428"/>
+      </p:ext>
+    </p:extLst>
+  </p:cSld>
+  <p:clrMapOvr>
+    <a:masterClrMapping/>
+  </p:clrMapOvr>
+</p:sld>
+</file>
+
+<file path=ppt/slides/slide20.xml><?xml version="1.0" encoding="utf-8"?>
+<p:sld xmlns:a="http://schemas.openxmlformats.org/drawingml/2006/main" xmlns:r="http://schemas.openxmlformats.org/officeDocument/2006/relationships" xmlns:p="http://schemas.openxmlformats.org/presentationml/2006/main">
+  <p:cSld>
+    <p:spTree>
+      <p:nvGrpSpPr>
+        <p:cNvPr id="1" name=""/>
+        <p:cNvGrpSpPr/>
+        <p:nvPr/>
+      </p:nvGrpSpPr>
+      <p:grpSpPr>
+        <a:xfrm>
+          <a:off x="0" y="0"/>
+          <a:ext cx="0" cy="0"/>
+          <a:chOff x="0" y="0"/>
+          <a:chExt cx="0" cy="0"/>
+        </a:xfrm>
+      </p:grpSpPr>
+      <p:sp>
+        <p:nvSpPr>
+          <p:cNvPr id="2" name="Заголовок 1">
+            <a:extLst>
+              <a:ext uri="{FF2B5EF4-FFF2-40B4-BE49-F238E27FC236}">
+                <a16:creationId xmlns:a16="http://schemas.microsoft.com/office/drawing/2014/main" id="{858A5C1F-E5B2-4EC1-9A3C-AAE441DF4D96}"/>
+              </a:ext>
+            </a:extLst>
+          </p:cNvPr>
+          <p:cNvSpPr>
+            <a:spLocks noGrp="1"/>
+          </p:cNvSpPr>
+          <p:nvPr>
+            <p:ph type="title"/>
+          </p:nvPr>
+        </p:nvSpPr>
+        <p:spPr>
+          <a:xfrm>
+            <a:off x="838200" y="176169"/>
+            <a:ext cx="10515600" cy="334424"/>
+          </a:xfrm>
+        </p:spPr>
+        <p:txBody>
+          <a:bodyPr>
+            <a:normAutofit/>
+          </a:bodyPr>
+          <a:lstStyle/>
+          <a:p>
+            <a:pPr algn="ctr"/>
+            <a:r>
+              <a:rPr lang="ru-RU" sz="1400" dirty="0">
+                <a:latin typeface="Times New Roman" panose="02020603050405020304" pitchFamily="18" charset="0"/>
+                <a:cs typeface="Times New Roman" panose="02020603050405020304" pitchFamily="18" charset="0"/>
+              </a:rPr>
+              <a:t>Задача </a:t>
+            </a:r>
+            <a:r>
+              <a:rPr lang="en-US" sz="1400" dirty="0" err="1">
+                <a:latin typeface="Times New Roman" panose="02020603050405020304" pitchFamily="18" charset="0"/>
+                <a:cs typeface="Times New Roman" panose="02020603050405020304" pitchFamily="18" charset="0"/>
+              </a:rPr>
+              <a:t>timus</a:t>
+            </a:r>
+            <a:r>
+              <a:rPr lang="en-US" sz="1400" dirty="0">
+                <a:latin typeface="Times New Roman" panose="02020603050405020304" pitchFamily="18" charset="0"/>
+                <a:cs typeface="Times New Roman" panose="02020603050405020304" pitchFamily="18" charset="0"/>
+              </a:rPr>
+              <a:t> 1293</a:t>
+            </a:r>
+            <a:endParaRPr lang="ru-RU" sz="1400" dirty="0">
+              <a:latin typeface="Times New Roman" panose="02020603050405020304" pitchFamily="18" charset="0"/>
+              <a:cs typeface="Times New Roman" panose="02020603050405020304" pitchFamily="18" charset="0"/>
+            </a:endParaRPr>
+          </a:p>
+        </p:txBody>
+      </p:sp>
+      <p:sp>
+        <p:nvSpPr>
+          <p:cNvPr id="3" name="Текст 2">
+            <a:extLst>
+              <a:ext uri="{FF2B5EF4-FFF2-40B4-BE49-F238E27FC236}">
+                <a16:creationId xmlns:a16="http://schemas.microsoft.com/office/drawing/2014/main" id="{7A2822FC-0537-44BF-973E-18E9089D51A2}"/>
+              </a:ext>
+            </a:extLst>
+          </p:cNvPr>
+          <p:cNvSpPr>
+            <a:spLocks noGrp="1"/>
+          </p:cNvSpPr>
+          <p:nvPr>
+            <p:ph type="body" idx="1"/>
+          </p:nvPr>
+        </p:nvSpPr>
+        <p:spPr>
+          <a:xfrm>
+            <a:off x="831850" y="629175"/>
+            <a:ext cx="10515600" cy="864065"/>
+          </a:xfrm>
+        </p:spPr>
+        <p:txBody>
+          <a:bodyPr>
+            <a:normAutofit/>
+          </a:bodyPr>
+          <a:lstStyle/>
+          <a:p>
+            <a:r>
+              <a:rPr lang="ru-RU" sz="1400" dirty="0">
+                <a:solidFill>
+                  <a:schemeClr val="tx1"/>
+                </a:solidFill>
+                <a:latin typeface="Times New Roman" panose="02020603050405020304" pitchFamily="18" charset="0"/>
+                <a:cs typeface="Times New Roman" panose="02020603050405020304" pitchFamily="18" charset="0"/>
+              </a:rPr>
+              <a:t>Исходный код решения: </a:t>
+            </a:r>
+            <a:r>
+              <a:rPr lang="en-US" sz="1400" dirty="0">
+                <a:solidFill>
+                  <a:schemeClr val="tx1"/>
+                </a:solidFill>
+                <a:latin typeface="Times New Roman" panose="02020603050405020304" pitchFamily="18" charset="0"/>
+                <a:cs typeface="Times New Roman" panose="02020603050405020304" pitchFamily="18" charset="0"/>
+              </a:rPr>
+              <a:t>https://github.com/Vladnwx/Learn2023-2024/blob/master/src/timus/task_1293/Main.java</a:t>
+            </a:r>
             <a:endParaRPr lang="ru-RU" sz="1400" dirty="0">
               <a:solidFill>
                 <a:schemeClr val="tx1"/>
@@ -3620,7 +5409,177 @@
     </p:spTree>
     <p:extLst>
       <p:ext uri="{BB962C8B-B14F-4D97-AF65-F5344CB8AC3E}">
-        <p14:creationId xmlns:p14="http://schemas.microsoft.com/office/powerpoint/2010/main" val="2427791428"/>
+        <p14:creationId xmlns:p14="http://schemas.microsoft.com/office/powerpoint/2010/main" val="2516231026"/>
+      </p:ext>
+    </p:extLst>
+  </p:cSld>
+  <p:clrMapOvr>
+    <a:masterClrMapping/>
+  </p:clrMapOvr>
+</p:sld>
+</file>
+
+<file path=ppt/slides/slide21.xml><?xml version="1.0" encoding="utf-8"?>
+<p:sld xmlns:a="http://schemas.openxmlformats.org/drawingml/2006/main" xmlns:r="http://schemas.openxmlformats.org/officeDocument/2006/relationships" xmlns:p="http://schemas.openxmlformats.org/presentationml/2006/main">
+  <p:cSld>
+    <p:spTree>
+      <p:nvGrpSpPr>
+        <p:cNvPr id="1" name=""/>
+        <p:cNvGrpSpPr/>
+        <p:nvPr/>
+      </p:nvGrpSpPr>
+      <p:grpSpPr>
+        <a:xfrm>
+          <a:off x="0" y="0"/>
+          <a:ext cx="0" cy="0"/>
+          <a:chOff x="0" y="0"/>
+          <a:chExt cx="0" cy="0"/>
+        </a:xfrm>
+      </p:grpSpPr>
+      <p:sp>
+        <p:nvSpPr>
+          <p:cNvPr id="2" name="Заголовок 1">
+            <a:extLst>
+              <a:ext uri="{FF2B5EF4-FFF2-40B4-BE49-F238E27FC236}">
+                <a16:creationId xmlns:a16="http://schemas.microsoft.com/office/drawing/2014/main" id="{858A5C1F-E5B2-4EC1-9A3C-AAE441DF4D96}"/>
+              </a:ext>
+            </a:extLst>
+          </p:cNvPr>
+          <p:cNvSpPr>
+            <a:spLocks noGrp="1"/>
+          </p:cNvSpPr>
+          <p:nvPr>
+            <p:ph type="title"/>
+          </p:nvPr>
+        </p:nvSpPr>
+        <p:spPr>
+          <a:xfrm>
+            <a:off x="838200" y="176169"/>
+            <a:ext cx="10515600" cy="453006"/>
+          </a:xfrm>
+        </p:spPr>
+        <p:txBody>
+          <a:bodyPr>
+            <a:normAutofit fontScale="90000"/>
+          </a:bodyPr>
+          <a:lstStyle/>
+          <a:p>
+            <a:pPr algn="ctr"/>
+            <a:r>
+              <a:rPr lang="ru-RU" sz="1400" dirty="0">
+                <a:latin typeface="Times New Roman" panose="02020603050405020304" pitchFamily="18" charset="0"/>
+                <a:cs typeface="Times New Roman" panose="02020603050405020304" pitchFamily="18" charset="0"/>
+              </a:rPr>
+              <a:t>Вывод</a:t>
+            </a:r>
+            <a:br>
+              <a:rPr lang="ru-RU" sz="1400" dirty="0">
+                <a:latin typeface="Times New Roman" panose="02020603050405020304" pitchFamily="18" charset="0"/>
+                <a:cs typeface="Times New Roman" panose="02020603050405020304" pitchFamily="18" charset="0"/>
+              </a:rPr>
+            </a:br>
+            <a:endParaRPr lang="ru-RU" sz="1400" dirty="0">
+              <a:latin typeface="Times New Roman" panose="02020603050405020304" pitchFamily="18" charset="0"/>
+              <a:cs typeface="Times New Roman" panose="02020603050405020304" pitchFamily="18" charset="0"/>
+            </a:endParaRPr>
+          </a:p>
+        </p:txBody>
+      </p:sp>
+      <p:sp>
+        <p:nvSpPr>
+          <p:cNvPr id="6" name="Текст 5">
+            <a:extLst>
+              <a:ext uri="{FF2B5EF4-FFF2-40B4-BE49-F238E27FC236}">
+                <a16:creationId xmlns:a16="http://schemas.microsoft.com/office/drawing/2014/main" id="{953110B1-F3D3-4947-BD62-AC851BB52DDC}"/>
+              </a:ext>
+            </a:extLst>
+          </p:cNvPr>
+          <p:cNvSpPr>
+            <a:spLocks noGrp="1"/>
+          </p:cNvSpPr>
+          <p:nvPr>
+            <p:ph type="body" idx="1"/>
+          </p:nvPr>
+        </p:nvSpPr>
+        <p:spPr>
+          <a:xfrm>
+            <a:off x="838200" y="780861"/>
+            <a:ext cx="10515600" cy="1500187"/>
+          </a:xfrm>
+        </p:spPr>
+        <p:txBody>
+          <a:bodyPr>
+            <a:normAutofit/>
+          </a:bodyPr>
+          <a:lstStyle/>
+          <a:p>
+            <a:r>
+              <a:rPr lang="ru-RU" sz="1400" dirty="0">
+                <a:solidFill>
+                  <a:schemeClr val="tx1"/>
+                </a:solidFill>
+                <a:latin typeface="Times New Roman" panose="02020603050405020304" pitchFamily="18" charset="0"/>
+                <a:cs typeface="Times New Roman" panose="02020603050405020304" pitchFamily="18" charset="0"/>
+              </a:rPr>
+              <a:t>Использование библиотеки </a:t>
+            </a:r>
+            <a:r>
+              <a:rPr lang="en-US" sz="1400" dirty="0">
+                <a:solidFill>
+                  <a:schemeClr val="tx1"/>
+                </a:solidFill>
+                <a:latin typeface="Times New Roman" panose="02020603050405020304" pitchFamily="18" charset="0"/>
+                <a:cs typeface="Times New Roman" panose="02020603050405020304" pitchFamily="18" charset="0"/>
+              </a:rPr>
+              <a:t>Scanner </a:t>
+            </a:r>
+            <a:r>
+              <a:rPr lang="ru-RU" sz="1400" dirty="0">
+                <a:solidFill>
+                  <a:schemeClr val="tx1"/>
+                </a:solidFill>
+                <a:latin typeface="Times New Roman" panose="02020603050405020304" pitchFamily="18" charset="0"/>
+                <a:cs typeface="Times New Roman" panose="02020603050405020304" pitchFamily="18" charset="0"/>
+              </a:rPr>
+              <a:t>и </a:t>
+            </a:r>
+            <a:r>
+              <a:rPr lang="en-US" sz="1400" dirty="0" err="1">
+                <a:solidFill>
+                  <a:schemeClr val="tx1"/>
+                </a:solidFill>
+                <a:latin typeface="Times New Roman" panose="02020603050405020304" pitchFamily="18" charset="0"/>
+                <a:cs typeface="Times New Roman" panose="02020603050405020304" pitchFamily="18" charset="0"/>
+              </a:rPr>
+              <a:t>bufferreader</a:t>
+            </a:r>
+            <a:r>
+              <a:rPr lang="en-US" sz="1400" dirty="0">
+                <a:solidFill>
+                  <a:schemeClr val="tx1"/>
+                </a:solidFill>
+                <a:latin typeface="Times New Roman" panose="02020603050405020304" pitchFamily="18" charset="0"/>
+                <a:cs typeface="Times New Roman" panose="02020603050405020304" pitchFamily="18" charset="0"/>
+              </a:rPr>
+              <a:t> </a:t>
+            </a:r>
+            <a:r>
+              <a:rPr lang="ru-RU" sz="1400" dirty="0">
+                <a:solidFill>
+                  <a:schemeClr val="tx1"/>
+                </a:solidFill>
+                <a:latin typeface="Times New Roman" panose="02020603050405020304" pitchFamily="18" charset="0"/>
+                <a:cs typeface="Times New Roman" panose="02020603050405020304" pitchFamily="18" charset="0"/>
+              </a:rPr>
+              <a:t>упрощает работу программисту и освобождает от написания велосипедов</a:t>
+            </a:r>
+          </a:p>
+        </p:txBody>
+      </p:sp>
+    </p:spTree>
+    <p:extLst>
+      <p:ext uri="{BB962C8B-B14F-4D97-AF65-F5344CB8AC3E}">
+        <p14:creationId xmlns:p14="http://schemas.microsoft.com/office/powerpoint/2010/main" val="2772988837"/>
       </p:ext>
     </p:extLst>
   </p:cSld>
@@ -3681,7 +5640,7 @@
                 <a:latin typeface="Times New Roman" panose="02020603050405020304" pitchFamily="18" charset="0"/>
                 <a:cs typeface="Times New Roman" panose="02020603050405020304" pitchFamily="18" charset="0"/>
               </a:rPr>
-              <a:t>Описание задачи</a:t>
+              <a:t>Подготовка рабочего пространства</a:t>
             </a:r>
           </a:p>
         </p:txBody>
@@ -3705,7 +5664,7 @@
         <p:spPr>
           <a:xfrm>
             <a:off x="831850" y="629175"/>
-            <a:ext cx="10515600" cy="5460476"/>
+            <a:ext cx="10515600" cy="334424"/>
           </a:xfrm>
         </p:spPr>
         <p:txBody>
@@ -3714,16 +5673,55 @@
           </a:bodyPr>
           <a:lstStyle/>
           <a:p>
-            <a:endParaRPr lang="ru-RU" sz="1400" dirty="0">
-              <a:solidFill>
-                <a:schemeClr val="tx1"/>
-              </a:solidFill>
-              <a:latin typeface="Times New Roman" panose="02020603050405020304" pitchFamily="18" charset="0"/>
-              <a:cs typeface="Times New Roman" panose="02020603050405020304" pitchFamily="18" charset="0"/>
-            </a:endParaRPr>
-          </a:p>
-        </p:txBody>
-      </p:sp>
+            <a:r>
+              <a:rPr lang="ru-RU" sz="1400" dirty="0">
+                <a:solidFill>
+                  <a:schemeClr val="tx1"/>
+                </a:solidFill>
+                <a:latin typeface="Times New Roman" panose="02020603050405020304" pitchFamily="18" charset="0"/>
+                <a:cs typeface="Times New Roman" panose="02020603050405020304" pitchFamily="18" charset="0"/>
+              </a:rPr>
+              <a:t>Навигация по папкам в командной строке</a:t>
+            </a:r>
+          </a:p>
+        </p:txBody>
+      </p:sp>
+      <p:pic>
+        <p:nvPicPr>
+          <p:cNvPr id="5" name="Рисунок 4">
+            <a:extLst>
+              <a:ext uri="{FF2B5EF4-FFF2-40B4-BE49-F238E27FC236}">
+                <a16:creationId xmlns:a16="http://schemas.microsoft.com/office/drawing/2014/main" id="{5DA65290-4D09-42E1-BABA-9BE4A63916DB}"/>
+              </a:ext>
+            </a:extLst>
+          </p:cNvPr>
+          <p:cNvPicPr>
+            <a:picLocks noChangeAspect="1"/>
+          </p:cNvPicPr>
+          <p:nvPr/>
+        </p:nvPicPr>
+        <p:blipFill>
+          <a:blip r:embed="rId2">
+            <a:extLst>
+              <a:ext uri="{28A0092B-C50C-407E-A947-70E740481C1C}">
+                <a14:useLocalDpi xmlns:a14="http://schemas.microsoft.com/office/drawing/2010/main" val="0"/>
+              </a:ext>
+            </a:extLst>
+          </a:blip>
+          <a:stretch>
+            <a:fillRect/>
+          </a:stretch>
+        </p:blipFill>
+        <p:spPr>
+          <a:xfrm>
+            <a:off x="866105" y="1082181"/>
+            <a:ext cx="10447090" cy="5522666"/>
+          </a:xfrm>
+          <a:prstGeom prst="rect">
+            <a:avLst/>
+          </a:prstGeom>
+        </p:spPr>
+      </p:pic>
     </p:spTree>
     <p:extLst>
       <p:ext uri="{BB962C8B-B14F-4D97-AF65-F5344CB8AC3E}">
@@ -3773,12 +5771,12 @@
         <p:spPr>
           <a:xfrm>
             <a:off x="838200" y="176169"/>
-            <a:ext cx="10515600" cy="453006"/>
+            <a:ext cx="10515600" cy="334424"/>
           </a:xfrm>
         </p:spPr>
         <p:txBody>
           <a:bodyPr>
-            <a:normAutofit fontScale="90000"/>
+            <a:normAutofit/>
           </a:bodyPr>
           <a:lstStyle/>
           <a:p>
@@ -3788,14 +5786,15 @@
                 <a:latin typeface="Times New Roman" panose="02020603050405020304" pitchFamily="18" charset="0"/>
                 <a:cs typeface="Times New Roman" panose="02020603050405020304" pitchFamily="18" charset="0"/>
               </a:rPr>
-              <a:t>Вывод</a:t>
-            </a:r>
-            <a:br>
-              <a:rPr lang="ru-RU" sz="1400" dirty="0">
-                <a:latin typeface="Times New Roman" panose="02020603050405020304" pitchFamily="18" charset="0"/>
-                <a:cs typeface="Times New Roman" panose="02020603050405020304" pitchFamily="18" charset="0"/>
-              </a:rPr>
-            </a:br>
+              <a:t>Задача №</a:t>
+            </a:r>
+            <a:r>
+              <a:rPr lang="en-US" sz="1400" dirty="0">
+                <a:latin typeface="Times New Roman" panose="02020603050405020304" pitchFamily="18" charset="0"/>
+                <a:cs typeface="Times New Roman" panose="02020603050405020304" pitchFamily="18" charset="0"/>
+              </a:rPr>
+              <a:t>1</a:t>
+            </a:r>
             <a:endParaRPr lang="ru-RU" sz="1400" dirty="0">
               <a:latin typeface="Times New Roman" panose="02020603050405020304" pitchFamily="18" charset="0"/>
               <a:cs typeface="Times New Roman" panose="02020603050405020304" pitchFamily="18" charset="0"/>
@@ -3805,10 +5804,10 @@
       </p:sp>
       <p:sp>
         <p:nvSpPr>
-          <p:cNvPr id="6" name="Текст 5">
-            <a:extLst>
-              <a:ext uri="{FF2B5EF4-FFF2-40B4-BE49-F238E27FC236}">
-                <a16:creationId xmlns:a16="http://schemas.microsoft.com/office/drawing/2014/main" id="{953110B1-F3D3-4947-BD62-AC851BB52DDC}"/>
+          <p:cNvPr id="3" name="Текст 2">
+            <a:extLst>
+              <a:ext uri="{FF2B5EF4-FFF2-40B4-BE49-F238E27FC236}">
+                <a16:creationId xmlns:a16="http://schemas.microsoft.com/office/drawing/2014/main" id="{7A2822FC-0537-44BF-973E-18E9089D51A2}"/>
               </a:ext>
             </a:extLst>
           </p:cNvPr>
@@ -3821,16 +5820,36 @@
         </p:nvSpPr>
         <p:spPr>
           <a:xfrm>
-            <a:off x="838200" y="780861"/>
-            <a:ext cx="10515600" cy="1500187"/>
+            <a:off x="831850" y="629175"/>
+            <a:ext cx="10515600" cy="520117"/>
           </a:xfrm>
         </p:spPr>
         <p:txBody>
           <a:bodyPr>
-            <a:normAutofit/>
+            <a:normAutofit fontScale="92500" lnSpcReduction="20000"/>
           </a:bodyPr>
           <a:lstStyle/>
           <a:p>
+            <a:r>
+              <a:rPr lang="ru-RU" sz="1400" dirty="0">
+                <a:solidFill>
+                  <a:schemeClr val="tx1"/>
+                </a:solidFill>
+                <a:latin typeface="Times New Roman" panose="02020603050405020304" pitchFamily="18" charset="0"/>
+                <a:cs typeface="Times New Roman" panose="02020603050405020304" pitchFamily="18" charset="0"/>
+              </a:rPr>
+              <a:t>Компиляция в командной строке используя </a:t>
+            </a:r>
+            <a:r>
+              <a:rPr lang="en-US" sz="1400" dirty="0" err="1">
+                <a:solidFill>
+                  <a:schemeClr val="tx1"/>
+                </a:solidFill>
+                <a:latin typeface="Times New Roman" panose="02020603050405020304" pitchFamily="18" charset="0"/>
+                <a:cs typeface="Times New Roman" panose="02020603050405020304" pitchFamily="18" charset="0"/>
+              </a:rPr>
+              <a:t>javac</a:t>
+            </a:r>
             <a:endParaRPr lang="ru-RU" sz="1400" dirty="0">
               <a:solidFill>
                 <a:schemeClr val="tx1"/>
@@ -3839,12 +5858,1126 @@
               <a:cs typeface="Times New Roman" panose="02020603050405020304" pitchFamily="18" charset="0"/>
             </a:endParaRPr>
           </a:p>
-        </p:txBody>
-      </p:sp>
+          <a:p>
+            <a:r>
+              <a:rPr lang="ru-RU" sz="1400" dirty="0">
+                <a:solidFill>
+                  <a:schemeClr val="tx1"/>
+                </a:solidFill>
+                <a:latin typeface="Times New Roman" panose="02020603050405020304" pitchFamily="18" charset="0"/>
+                <a:cs typeface="Times New Roman" panose="02020603050405020304" pitchFamily="18" charset="0"/>
+              </a:rPr>
+              <a:t>Исходный код: </a:t>
+            </a:r>
+            <a:r>
+              <a:rPr lang="en-US" sz="1400" dirty="0">
+                <a:solidFill>
+                  <a:schemeClr val="tx1"/>
+                </a:solidFill>
+                <a:latin typeface="Times New Roman" panose="02020603050405020304" pitchFamily="18" charset="0"/>
+                <a:cs typeface="Times New Roman" panose="02020603050405020304" pitchFamily="18" charset="0"/>
+              </a:rPr>
+              <a:t>https://github.com/Vladnwx/Learn2023-2024/blob/master/src/lr1/Example1.java</a:t>
+            </a:r>
+            <a:endParaRPr lang="ru-RU" sz="1400" dirty="0">
+              <a:solidFill>
+                <a:schemeClr val="tx1"/>
+              </a:solidFill>
+              <a:latin typeface="Times New Roman" panose="02020603050405020304" pitchFamily="18" charset="0"/>
+              <a:cs typeface="Times New Roman" panose="02020603050405020304" pitchFamily="18" charset="0"/>
+            </a:endParaRPr>
+          </a:p>
+          <a:p>
+            <a:endParaRPr lang="ru-RU" sz="1400" dirty="0">
+              <a:solidFill>
+                <a:schemeClr val="tx1"/>
+              </a:solidFill>
+              <a:latin typeface="Times New Roman" panose="02020603050405020304" pitchFamily="18" charset="0"/>
+              <a:cs typeface="Times New Roman" panose="02020603050405020304" pitchFamily="18" charset="0"/>
+            </a:endParaRPr>
+          </a:p>
+        </p:txBody>
+      </p:sp>
+      <p:pic>
+        <p:nvPicPr>
+          <p:cNvPr id="6" name="Рисунок 5">
+            <a:extLst>
+              <a:ext uri="{FF2B5EF4-FFF2-40B4-BE49-F238E27FC236}">
+                <a16:creationId xmlns:a16="http://schemas.microsoft.com/office/drawing/2014/main" id="{F91962FE-B7A9-46E1-B217-030995E80FC9}"/>
+              </a:ext>
+            </a:extLst>
+          </p:cNvPr>
+          <p:cNvPicPr>
+            <a:picLocks noChangeAspect="1"/>
+          </p:cNvPicPr>
+          <p:nvPr/>
+        </p:nvPicPr>
+        <p:blipFill>
+          <a:blip r:embed="rId2">
+            <a:extLst>
+              <a:ext uri="{28A0092B-C50C-407E-A947-70E740481C1C}">
+                <a14:useLocalDpi xmlns:a14="http://schemas.microsoft.com/office/drawing/2010/main" val="0"/>
+              </a:ext>
+            </a:extLst>
+          </a:blip>
+          <a:stretch>
+            <a:fillRect/>
+          </a:stretch>
+        </p:blipFill>
+        <p:spPr>
+          <a:xfrm>
+            <a:off x="934224" y="1233181"/>
+            <a:ext cx="10323552" cy="5322485"/>
+          </a:xfrm>
+          <a:prstGeom prst="rect">
+            <a:avLst/>
+          </a:prstGeom>
+        </p:spPr>
+      </p:pic>
     </p:spTree>
     <p:extLst>
       <p:ext uri="{BB962C8B-B14F-4D97-AF65-F5344CB8AC3E}">
-        <p14:creationId xmlns:p14="http://schemas.microsoft.com/office/powerpoint/2010/main" val="2772988837"/>
+        <p14:creationId xmlns:p14="http://schemas.microsoft.com/office/powerpoint/2010/main" val="104389330"/>
+      </p:ext>
+    </p:extLst>
+  </p:cSld>
+  <p:clrMapOvr>
+    <a:masterClrMapping/>
+  </p:clrMapOvr>
+</p:sld>
+</file>
+
+<file path=ppt/slides/slide5.xml><?xml version="1.0" encoding="utf-8"?>
+<p:sld xmlns:a="http://schemas.openxmlformats.org/drawingml/2006/main" xmlns:r="http://schemas.openxmlformats.org/officeDocument/2006/relationships" xmlns:p="http://schemas.openxmlformats.org/presentationml/2006/main">
+  <p:cSld>
+    <p:spTree>
+      <p:nvGrpSpPr>
+        <p:cNvPr id="1" name=""/>
+        <p:cNvGrpSpPr/>
+        <p:nvPr/>
+      </p:nvGrpSpPr>
+      <p:grpSpPr>
+        <a:xfrm>
+          <a:off x="0" y="0"/>
+          <a:ext cx="0" cy="0"/>
+          <a:chOff x="0" y="0"/>
+          <a:chExt cx="0" cy="0"/>
+        </a:xfrm>
+      </p:grpSpPr>
+      <p:sp>
+        <p:nvSpPr>
+          <p:cNvPr id="2" name="Заголовок 1">
+            <a:extLst>
+              <a:ext uri="{FF2B5EF4-FFF2-40B4-BE49-F238E27FC236}">
+                <a16:creationId xmlns:a16="http://schemas.microsoft.com/office/drawing/2014/main" id="{858A5C1F-E5B2-4EC1-9A3C-AAE441DF4D96}"/>
+              </a:ext>
+            </a:extLst>
+          </p:cNvPr>
+          <p:cNvSpPr>
+            <a:spLocks noGrp="1"/>
+          </p:cNvSpPr>
+          <p:nvPr>
+            <p:ph type="title"/>
+          </p:nvPr>
+        </p:nvSpPr>
+        <p:spPr>
+          <a:xfrm>
+            <a:off x="838200" y="176169"/>
+            <a:ext cx="10515600" cy="334424"/>
+          </a:xfrm>
+        </p:spPr>
+        <p:txBody>
+          <a:bodyPr>
+            <a:normAutofit/>
+          </a:bodyPr>
+          <a:lstStyle/>
+          <a:p>
+            <a:pPr algn="ctr"/>
+            <a:r>
+              <a:rPr lang="ru-RU" sz="1400" dirty="0">
+                <a:latin typeface="Times New Roman" panose="02020603050405020304" pitchFamily="18" charset="0"/>
+                <a:cs typeface="Times New Roman" panose="02020603050405020304" pitchFamily="18" charset="0"/>
+              </a:rPr>
+              <a:t>Задача №2</a:t>
+            </a:r>
+          </a:p>
+        </p:txBody>
+      </p:sp>
+      <p:sp>
+        <p:nvSpPr>
+          <p:cNvPr id="3" name="Текст 2">
+            <a:extLst>
+              <a:ext uri="{FF2B5EF4-FFF2-40B4-BE49-F238E27FC236}">
+                <a16:creationId xmlns:a16="http://schemas.microsoft.com/office/drawing/2014/main" id="{7A2822FC-0537-44BF-973E-18E9089D51A2}"/>
+              </a:ext>
+            </a:extLst>
+          </p:cNvPr>
+          <p:cNvSpPr>
+            <a:spLocks noGrp="1"/>
+          </p:cNvSpPr>
+          <p:nvPr>
+            <p:ph type="body" idx="1"/>
+          </p:nvPr>
+        </p:nvSpPr>
+        <p:spPr>
+          <a:xfrm>
+            <a:off x="831850" y="629175"/>
+            <a:ext cx="10515600" cy="520117"/>
+          </a:xfrm>
+        </p:spPr>
+        <p:txBody>
+          <a:bodyPr>
+            <a:normAutofit fontScale="92500" lnSpcReduction="20000"/>
+          </a:bodyPr>
+          <a:lstStyle/>
+          <a:p>
+            <a:r>
+              <a:rPr lang="ru-RU" sz="1400" dirty="0">
+                <a:solidFill>
+                  <a:schemeClr val="tx1"/>
+                </a:solidFill>
+                <a:latin typeface="Times New Roman" panose="02020603050405020304" pitchFamily="18" charset="0"/>
+                <a:cs typeface="Times New Roman" panose="02020603050405020304" pitchFamily="18" charset="0"/>
+              </a:rPr>
+              <a:t>Компиляция в командной строке используя </a:t>
+            </a:r>
+            <a:r>
+              <a:rPr lang="en-US" sz="1400" dirty="0" err="1">
+                <a:solidFill>
+                  <a:schemeClr val="tx1"/>
+                </a:solidFill>
+                <a:latin typeface="Times New Roman" panose="02020603050405020304" pitchFamily="18" charset="0"/>
+                <a:cs typeface="Times New Roman" panose="02020603050405020304" pitchFamily="18" charset="0"/>
+              </a:rPr>
+              <a:t>javac</a:t>
+            </a:r>
+            <a:endParaRPr lang="ru-RU" sz="1400" dirty="0">
+              <a:solidFill>
+                <a:schemeClr val="tx1"/>
+              </a:solidFill>
+              <a:latin typeface="Times New Roman" panose="02020603050405020304" pitchFamily="18" charset="0"/>
+              <a:cs typeface="Times New Roman" panose="02020603050405020304" pitchFamily="18" charset="0"/>
+            </a:endParaRPr>
+          </a:p>
+          <a:p>
+            <a:r>
+              <a:rPr lang="ru-RU" sz="1400" dirty="0">
+                <a:solidFill>
+                  <a:schemeClr val="tx1"/>
+                </a:solidFill>
+                <a:latin typeface="Times New Roman" panose="02020603050405020304" pitchFamily="18" charset="0"/>
+                <a:cs typeface="Times New Roman" panose="02020603050405020304" pitchFamily="18" charset="0"/>
+              </a:rPr>
+              <a:t>Исходный код: </a:t>
+            </a:r>
+            <a:r>
+              <a:rPr lang="en-US" sz="1400" dirty="0">
+                <a:solidFill>
+                  <a:schemeClr val="tx1"/>
+                </a:solidFill>
+                <a:latin typeface="Times New Roman" panose="02020603050405020304" pitchFamily="18" charset="0"/>
+                <a:cs typeface="Times New Roman" panose="02020603050405020304" pitchFamily="18" charset="0"/>
+              </a:rPr>
+              <a:t>https://github.com/Vladnwx/Learn2023-2024/blob/master/src/lr1/Example</a:t>
+            </a:r>
+            <a:r>
+              <a:rPr lang="ru-RU" sz="1400" dirty="0">
+                <a:solidFill>
+                  <a:schemeClr val="tx1"/>
+                </a:solidFill>
+                <a:latin typeface="Times New Roman" panose="02020603050405020304" pitchFamily="18" charset="0"/>
+                <a:cs typeface="Times New Roman" panose="02020603050405020304" pitchFamily="18" charset="0"/>
+              </a:rPr>
+              <a:t>2</a:t>
+            </a:r>
+            <a:r>
+              <a:rPr lang="en-US" sz="1400" dirty="0">
+                <a:solidFill>
+                  <a:schemeClr val="tx1"/>
+                </a:solidFill>
+                <a:latin typeface="Times New Roman" panose="02020603050405020304" pitchFamily="18" charset="0"/>
+                <a:cs typeface="Times New Roman" panose="02020603050405020304" pitchFamily="18" charset="0"/>
+              </a:rPr>
+              <a:t>.java</a:t>
+            </a:r>
+            <a:endParaRPr lang="ru-RU" sz="1400" dirty="0">
+              <a:solidFill>
+                <a:schemeClr val="tx1"/>
+              </a:solidFill>
+              <a:latin typeface="Times New Roman" panose="02020603050405020304" pitchFamily="18" charset="0"/>
+              <a:cs typeface="Times New Roman" panose="02020603050405020304" pitchFamily="18" charset="0"/>
+            </a:endParaRPr>
+          </a:p>
+          <a:p>
+            <a:endParaRPr lang="ru-RU" sz="1400" dirty="0">
+              <a:solidFill>
+                <a:schemeClr val="tx1"/>
+              </a:solidFill>
+              <a:latin typeface="Times New Roman" panose="02020603050405020304" pitchFamily="18" charset="0"/>
+              <a:cs typeface="Times New Roman" panose="02020603050405020304" pitchFamily="18" charset="0"/>
+            </a:endParaRPr>
+          </a:p>
+        </p:txBody>
+      </p:sp>
+      <p:pic>
+        <p:nvPicPr>
+          <p:cNvPr id="5" name="Рисунок 4">
+            <a:extLst>
+              <a:ext uri="{FF2B5EF4-FFF2-40B4-BE49-F238E27FC236}">
+                <a16:creationId xmlns:a16="http://schemas.microsoft.com/office/drawing/2014/main" id="{1705A067-96C5-42A7-9E72-6D9E8A1D97F8}"/>
+              </a:ext>
+            </a:extLst>
+          </p:cNvPr>
+          <p:cNvPicPr>
+            <a:picLocks noChangeAspect="1"/>
+          </p:cNvPicPr>
+          <p:nvPr/>
+        </p:nvPicPr>
+        <p:blipFill>
+          <a:blip r:embed="rId2">
+            <a:extLst>
+              <a:ext uri="{28A0092B-C50C-407E-A947-70E740481C1C}">
+                <a14:useLocalDpi xmlns:a14="http://schemas.microsoft.com/office/drawing/2010/main" val="0"/>
+              </a:ext>
+            </a:extLst>
+          </a:blip>
+          <a:stretch>
+            <a:fillRect/>
+          </a:stretch>
+        </p:blipFill>
+        <p:spPr>
+          <a:xfrm>
+            <a:off x="1270661" y="1375794"/>
+            <a:ext cx="9650678" cy="5482206"/>
+          </a:xfrm>
+          <a:prstGeom prst="rect">
+            <a:avLst/>
+          </a:prstGeom>
+        </p:spPr>
+      </p:pic>
+    </p:spTree>
+    <p:extLst>
+      <p:ext uri="{BB962C8B-B14F-4D97-AF65-F5344CB8AC3E}">
+        <p14:creationId xmlns:p14="http://schemas.microsoft.com/office/powerpoint/2010/main" val="1373919751"/>
+      </p:ext>
+    </p:extLst>
+  </p:cSld>
+  <p:clrMapOvr>
+    <a:masterClrMapping/>
+  </p:clrMapOvr>
+</p:sld>
+</file>
+
+<file path=ppt/slides/slide6.xml><?xml version="1.0" encoding="utf-8"?>
+<p:sld xmlns:a="http://schemas.openxmlformats.org/drawingml/2006/main" xmlns:r="http://schemas.openxmlformats.org/officeDocument/2006/relationships" xmlns:p="http://schemas.openxmlformats.org/presentationml/2006/main">
+  <p:cSld>
+    <p:spTree>
+      <p:nvGrpSpPr>
+        <p:cNvPr id="1" name=""/>
+        <p:cNvGrpSpPr/>
+        <p:nvPr/>
+      </p:nvGrpSpPr>
+      <p:grpSpPr>
+        <a:xfrm>
+          <a:off x="0" y="0"/>
+          <a:ext cx="0" cy="0"/>
+          <a:chOff x="0" y="0"/>
+          <a:chExt cx="0" cy="0"/>
+        </a:xfrm>
+      </p:grpSpPr>
+      <p:sp>
+        <p:nvSpPr>
+          <p:cNvPr id="2" name="Заголовок 1">
+            <a:extLst>
+              <a:ext uri="{FF2B5EF4-FFF2-40B4-BE49-F238E27FC236}">
+                <a16:creationId xmlns:a16="http://schemas.microsoft.com/office/drawing/2014/main" id="{858A5C1F-E5B2-4EC1-9A3C-AAE441DF4D96}"/>
+              </a:ext>
+            </a:extLst>
+          </p:cNvPr>
+          <p:cNvSpPr>
+            <a:spLocks noGrp="1"/>
+          </p:cNvSpPr>
+          <p:nvPr>
+            <p:ph type="title"/>
+          </p:nvPr>
+        </p:nvSpPr>
+        <p:spPr>
+          <a:xfrm>
+            <a:off x="838200" y="176169"/>
+            <a:ext cx="10515600" cy="334424"/>
+          </a:xfrm>
+        </p:spPr>
+        <p:txBody>
+          <a:bodyPr>
+            <a:normAutofit/>
+          </a:bodyPr>
+          <a:lstStyle/>
+          <a:p>
+            <a:pPr algn="ctr"/>
+            <a:r>
+              <a:rPr lang="ru-RU" sz="1400" dirty="0">
+                <a:latin typeface="Times New Roman" panose="02020603050405020304" pitchFamily="18" charset="0"/>
+                <a:cs typeface="Times New Roman" panose="02020603050405020304" pitchFamily="18" charset="0"/>
+              </a:rPr>
+              <a:t>Задача №3</a:t>
+            </a:r>
+          </a:p>
+        </p:txBody>
+      </p:sp>
+      <p:sp>
+        <p:nvSpPr>
+          <p:cNvPr id="3" name="Текст 2">
+            <a:extLst>
+              <a:ext uri="{FF2B5EF4-FFF2-40B4-BE49-F238E27FC236}">
+                <a16:creationId xmlns:a16="http://schemas.microsoft.com/office/drawing/2014/main" id="{7A2822FC-0537-44BF-973E-18E9089D51A2}"/>
+              </a:ext>
+            </a:extLst>
+          </p:cNvPr>
+          <p:cNvSpPr>
+            <a:spLocks noGrp="1"/>
+          </p:cNvSpPr>
+          <p:nvPr>
+            <p:ph type="body" idx="1"/>
+          </p:nvPr>
+        </p:nvSpPr>
+        <p:spPr>
+          <a:xfrm>
+            <a:off x="831850" y="629175"/>
+            <a:ext cx="10515600" cy="520117"/>
+          </a:xfrm>
+        </p:spPr>
+        <p:txBody>
+          <a:bodyPr>
+            <a:normAutofit fontScale="92500" lnSpcReduction="20000"/>
+          </a:bodyPr>
+          <a:lstStyle/>
+          <a:p>
+            <a:r>
+              <a:rPr lang="ru-RU" sz="1400" dirty="0">
+                <a:solidFill>
+                  <a:schemeClr val="tx1"/>
+                </a:solidFill>
+                <a:latin typeface="Times New Roman" panose="02020603050405020304" pitchFamily="18" charset="0"/>
+                <a:cs typeface="Times New Roman" panose="02020603050405020304" pitchFamily="18" charset="0"/>
+              </a:rPr>
+              <a:t>Компиляция в командной строке используя </a:t>
+            </a:r>
+            <a:r>
+              <a:rPr lang="en-US" sz="1400" dirty="0" err="1">
+                <a:solidFill>
+                  <a:schemeClr val="tx1"/>
+                </a:solidFill>
+                <a:latin typeface="Times New Roman" panose="02020603050405020304" pitchFamily="18" charset="0"/>
+                <a:cs typeface="Times New Roman" panose="02020603050405020304" pitchFamily="18" charset="0"/>
+              </a:rPr>
+              <a:t>javac</a:t>
+            </a:r>
+            <a:endParaRPr lang="ru-RU" sz="1400" dirty="0">
+              <a:solidFill>
+                <a:schemeClr val="tx1"/>
+              </a:solidFill>
+              <a:latin typeface="Times New Roman" panose="02020603050405020304" pitchFamily="18" charset="0"/>
+              <a:cs typeface="Times New Roman" panose="02020603050405020304" pitchFamily="18" charset="0"/>
+            </a:endParaRPr>
+          </a:p>
+          <a:p>
+            <a:r>
+              <a:rPr lang="ru-RU" sz="1400" dirty="0">
+                <a:solidFill>
+                  <a:schemeClr val="tx1"/>
+                </a:solidFill>
+                <a:latin typeface="Times New Roman" panose="02020603050405020304" pitchFamily="18" charset="0"/>
+                <a:cs typeface="Times New Roman" panose="02020603050405020304" pitchFamily="18" charset="0"/>
+              </a:rPr>
+              <a:t>Исходный код: </a:t>
+            </a:r>
+            <a:r>
+              <a:rPr lang="en-US" sz="1400" dirty="0">
+                <a:solidFill>
+                  <a:schemeClr val="tx1"/>
+                </a:solidFill>
+                <a:latin typeface="Times New Roman" panose="02020603050405020304" pitchFamily="18" charset="0"/>
+                <a:cs typeface="Times New Roman" panose="02020603050405020304" pitchFamily="18" charset="0"/>
+              </a:rPr>
+              <a:t>https://github.com/Vladnwx/Learn2023-2024/blob/master/src/lr1/Example</a:t>
+            </a:r>
+            <a:r>
+              <a:rPr lang="ru-RU" sz="1400" dirty="0">
+                <a:solidFill>
+                  <a:schemeClr val="tx1"/>
+                </a:solidFill>
+                <a:latin typeface="Times New Roman" panose="02020603050405020304" pitchFamily="18" charset="0"/>
+                <a:cs typeface="Times New Roman" panose="02020603050405020304" pitchFamily="18" charset="0"/>
+              </a:rPr>
+              <a:t>3</a:t>
+            </a:r>
+            <a:r>
+              <a:rPr lang="en-US" sz="1400" dirty="0">
+                <a:solidFill>
+                  <a:schemeClr val="tx1"/>
+                </a:solidFill>
+                <a:latin typeface="Times New Roman" panose="02020603050405020304" pitchFamily="18" charset="0"/>
+                <a:cs typeface="Times New Roman" panose="02020603050405020304" pitchFamily="18" charset="0"/>
+              </a:rPr>
+              <a:t>.java</a:t>
+            </a:r>
+            <a:endParaRPr lang="ru-RU" sz="1400" dirty="0">
+              <a:solidFill>
+                <a:schemeClr val="tx1"/>
+              </a:solidFill>
+              <a:latin typeface="Times New Roman" panose="02020603050405020304" pitchFamily="18" charset="0"/>
+              <a:cs typeface="Times New Roman" panose="02020603050405020304" pitchFamily="18" charset="0"/>
+            </a:endParaRPr>
+          </a:p>
+          <a:p>
+            <a:endParaRPr lang="ru-RU" sz="1400" dirty="0">
+              <a:solidFill>
+                <a:schemeClr val="tx1"/>
+              </a:solidFill>
+              <a:latin typeface="Times New Roman" panose="02020603050405020304" pitchFamily="18" charset="0"/>
+              <a:cs typeface="Times New Roman" panose="02020603050405020304" pitchFamily="18" charset="0"/>
+            </a:endParaRPr>
+          </a:p>
+        </p:txBody>
+      </p:sp>
+      <p:pic>
+        <p:nvPicPr>
+          <p:cNvPr id="6" name="Рисунок 5">
+            <a:extLst>
+              <a:ext uri="{FF2B5EF4-FFF2-40B4-BE49-F238E27FC236}">
+                <a16:creationId xmlns:a16="http://schemas.microsoft.com/office/drawing/2014/main" id="{1E50103F-FD09-4D0B-89C6-4DB41EE49A04}"/>
+              </a:ext>
+            </a:extLst>
+          </p:cNvPr>
+          <p:cNvPicPr>
+            <a:picLocks noChangeAspect="1"/>
+          </p:cNvPicPr>
+          <p:nvPr/>
+        </p:nvPicPr>
+        <p:blipFill>
+          <a:blip r:embed="rId2">
+            <a:extLst>
+              <a:ext uri="{28A0092B-C50C-407E-A947-70E740481C1C}">
+                <a14:useLocalDpi xmlns:a14="http://schemas.microsoft.com/office/drawing/2010/main" val="0"/>
+              </a:ext>
+            </a:extLst>
+          </a:blip>
+          <a:stretch>
+            <a:fillRect/>
+          </a:stretch>
+        </p:blipFill>
+        <p:spPr>
+          <a:xfrm>
+            <a:off x="985859" y="1267874"/>
+            <a:ext cx="10220281" cy="5413957"/>
+          </a:xfrm>
+          <a:prstGeom prst="rect">
+            <a:avLst/>
+          </a:prstGeom>
+        </p:spPr>
+      </p:pic>
+    </p:spTree>
+    <p:extLst>
+      <p:ext uri="{BB962C8B-B14F-4D97-AF65-F5344CB8AC3E}">
+        <p14:creationId xmlns:p14="http://schemas.microsoft.com/office/powerpoint/2010/main" val="1467071420"/>
+      </p:ext>
+    </p:extLst>
+  </p:cSld>
+  <p:clrMapOvr>
+    <a:masterClrMapping/>
+  </p:clrMapOvr>
+</p:sld>
+</file>
+
+<file path=ppt/slides/slide7.xml><?xml version="1.0" encoding="utf-8"?>
+<p:sld xmlns:a="http://schemas.openxmlformats.org/drawingml/2006/main" xmlns:r="http://schemas.openxmlformats.org/officeDocument/2006/relationships" xmlns:p="http://schemas.openxmlformats.org/presentationml/2006/main">
+  <p:cSld>
+    <p:spTree>
+      <p:nvGrpSpPr>
+        <p:cNvPr id="1" name=""/>
+        <p:cNvGrpSpPr/>
+        <p:nvPr/>
+      </p:nvGrpSpPr>
+      <p:grpSpPr>
+        <a:xfrm>
+          <a:off x="0" y="0"/>
+          <a:ext cx="0" cy="0"/>
+          <a:chOff x="0" y="0"/>
+          <a:chExt cx="0" cy="0"/>
+        </a:xfrm>
+      </p:grpSpPr>
+      <p:sp>
+        <p:nvSpPr>
+          <p:cNvPr id="2" name="Заголовок 1">
+            <a:extLst>
+              <a:ext uri="{FF2B5EF4-FFF2-40B4-BE49-F238E27FC236}">
+                <a16:creationId xmlns:a16="http://schemas.microsoft.com/office/drawing/2014/main" id="{858A5C1F-E5B2-4EC1-9A3C-AAE441DF4D96}"/>
+              </a:ext>
+            </a:extLst>
+          </p:cNvPr>
+          <p:cNvSpPr>
+            <a:spLocks noGrp="1"/>
+          </p:cNvSpPr>
+          <p:nvPr>
+            <p:ph type="title"/>
+          </p:nvPr>
+        </p:nvSpPr>
+        <p:spPr>
+          <a:xfrm>
+            <a:off x="838200" y="176169"/>
+            <a:ext cx="10515600" cy="334424"/>
+          </a:xfrm>
+        </p:spPr>
+        <p:txBody>
+          <a:bodyPr>
+            <a:normAutofit/>
+          </a:bodyPr>
+          <a:lstStyle/>
+          <a:p>
+            <a:pPr algn="ctr"/>
+            <a:r>
+              <a:rPr lang="ru-RU" sz="1400" dirty="0">
+                <a:latin typeface="Times New Roman" panose="02020603050405020304" pitchFamily="18" charset="0"/>
+                <a:cs typeface="Times New Roman" panose="02020603050405020304" pitchFamily="18" charset="0"/>
+              </a:rPr>
+              <a:t>Задача №4</a:t>
+            </a:r>
+          </a:p>
+        </p:txBody>
+      </p:sp>
+      <p:sp>
+        <p:nvSpPr>
+          <p:cNvPr id="3" name="Текст 2">
+            <a:extLst>
+              <a:ext uri="{FF2B5EF4-FFF2-40B4-BE49-F238E27FC236}">
+                <a16:creationId xmlns:a16="http://schemas.microsoft.com/office/drawing/2014/main" id="{7A2822FC-0537-44BF-973E-18E9089D51A2}"/>
+              </a:ext>
+            </a:extLst>
+          </p:cNvPr>
+          <p:cNvSpPr>
+            <a:spLocks noGrp="1"/>
+          </p:cNvSpPr>
+          <p:nvPr>
+            <p:ph type="body" idx="1"/>
+          </p:nvPr>
+        </p:nvSpPr>
+        <p:spPr>
+          <a:xfrm>
+            <a:off x="831850" y="629175"/>
+            <a:ext cx="10515600" cy="520117"/>
+          </a:xfrm>
+        </p:spPr>
+        <p:txBody>
+          <a:bodyPr>
+            <a:normAutofit fontScale="92500" lnSpcReduction="20000"/>
+          </a:bodyPr>
+          <a:lstStyle/>
+          <a:p>
+            <a:r>
+              <a:rPr lang="ru-RU" sz="1400" dirty="0">
+                <a:solidFill>
+                  <a:schemeClr val="tx1"/>
+                </a:solidFill>
+                <a:latin typeface="Times New Roman" panose="02020603050405020304" pitchFamily="18" charset="0"/>
+                <a:cs typeface="Times New Roman" panose="02020603050405020304" pitchFamily="18" charset="0"/>
+              </a:rPr>
+              <a:t>Компиляция в командной строке используя </a:t>
+            </a:r>
+            <a:r>
+              <a:rPr lang="en-US" sz="1400" dirty="0" err="1">
+                <a:solidFill>
+                  <a:schemeClr val="tx1"/>
+                </a:solidFill>
+                <a:latin typeface="Times New Roman" panose="02020603050405020304" pitchFamily="18" charset="0"/>
+                <a:cs typeface="Times New Roman" panose="02020603050405020304" pitchFamily="18" charset="0"/>
+              </a:rPr>
+              <a:t>javac</a:t>
+            </a:r>
+            <a:endParaRPr lang="ru-RU" sz="1400" dirty="0">
+              <a:solidFill>
+                <a:schemeClr val="tx1"/>
+              </a:solidFill>
+              <a:latin typeface="Times New Roman" panose="02020603050405020304" pitchFamily="18" charset="0"/>
+              <a:cs typeface="Times New Roman" panose="02020603050405020304" pitchFamily="18" charset="0"/>
+            </a:endParaRPr>
+          </a:p>
+          <a:p>
+            <a:r>
+              <a:rPr lang="ru-RU" sz="1400" dirty="0">
+                <a:solidFill>
+                  <a:schemeClr val="tx1"/>
+                </a:solidFill>
+                <a:latin typeface="Times New Roman" panose="02020603050405020304" pitchFamily="18" charset="0"/>
+                <a:cs typeface="Times New Roman" panose="02020603050405020304" pitchFamily="18" charset="0"/>
+              </a:rPr>
+              <a:t>Исходный код: </a:t>
+            </a:r>
+            <a:r>
+              <a:rPr lang="en-US" sz="1400" dirty="0">
+                <a:solidFill>
+                  <a:schemeClr val="tx1"/>
+                </a:solidFill>
+                <a:latin typeface="Times New Roman" panose="02020603050405020304" pitchFamily="18" charset="0"/>
+                <a:cs typeface="Times New Roman" panose="02020603050405020304" pitchFamily="18" charset="0"/>
+              </a:rPr>
+              <a:t>https://github.com/Vladnwx/Learn2023-2024/blob/master/src/lr1/Example</a:t>
+            </a:r>
+            <a:r>
+              <a:rPr lang="ru-RU" sz="1400" dirty="0">
+                <a:solidFill>
+                  <a:schemeClr val="tx1"/>
+                </a:solidFill>
+                <a:latin typeface="Times New Roman" panose="02020603050405020304" pitchFamily="18" charset="0"/>
+                <a:cs typeface="Times New Roman" panose="02020603050405020304" pitchFamily="18" charset="0"/>
+              </a:rPr>
+              <a:t>4</a:t>
+            </a:r>
+            <a:r>
+              <a:rPr lang="en-US" sz="1400" dirty="0">
+                <a:solidFill>
+                  <a:schemeClr val="tx1"/>
+                </a:solidFill>
+                <a:latin typeface="Times New Roman" panose="02020603050405020304" pitchFamily="18" charset="0"/>
+                <a:cs typeface="Times New Roman" panose="02020603050405020304" pitchFamily="18" charset="0"/>
+              </a:rPr>
+              <a:t>.java</a:t>
+            </a:r>
+            <a:endParaRPr lang="ru-RU" sz="1400" dirty="0">
+              <a:solidFill>
+                <a:schemeClr val="tx1"/>
+              </a:solidFill>
+              <a:latin typeface="Times New Roman" panose="02020603050405020304" pitchFamily="18" charset="0"/>
+              <a:cs typeface="Times New Roman" panose="02020603050405020304" pitchFamily="18" charset="0"/>
+            </a:endParaRPr>
+          </a:p>
+          <a:p>
+            <a:endParaRPr lang="ru-RU" sz="1400" dirty="0">
+              <a:solidFill>
+                <a:schemeClr val="tx1"/>
+              </a:solidFill>
+              <a:latin typeface="Times New Roman" panose="02020603050405020304" pitchFamily="18" charset="0"/>
+              <a:cs typeface="Times New Roman" panose="02020603050405020304" pitchFamily="18" charset="0"/>
+            </a:endParaRPr>
+          </a:p>
+        </p:txBody>
+      </p:sp>
+      <p:pic>
+        <p:nvPicPr>
+          <p:cNvPr id="5" name="Рисунок 4">
+            <a:extLst>
+              <a:ext uri="{FF2B5EF4-FFF2-40B4-BE49-F238E27FC236}">
+                <a16:creationId xmlns:a16="http://schemas.microsoft.com/office/drawing/2014/main" id="{E38F099F-9DCB-4184-AAB3-C1175BF013E3}"/>
+              </a:ext>
+            </a:extLst>
+          </p:cNvPr>
+          <p:cNvPicPr>
+            <a:picLocks noChangeAspect="1"/>
+          </p:cNvPicPr>
+          <p:nvPr/>
+        </p:nvPicPr>
+        <p:blipFill>
+          <a:blip r:embed="rId2">
+            <a:extLst>
+              <a:ext uri="{28A0092B-C50C-407E-A947-70E740481C1C}">
+                <a14:useLocalDpi xmlns:a14="http://schemas.microsoft.com/office/drawing/2010/main" val="0"/>
+              </a:ext>
+            </a:extLst>
+          </a:blip>
+          <a:stretch>
+            <a:fillRect/>
+          </a:stretch>
+        </p:blipFill>
+        <p:spPr>
+          <a:xfrm>
+            <a:off x="909751" y="1149292"/>
+            <a:ext cx="10372498" cy="5529352"/>
+          </a:xfrm>
+          <a:prstGeom prst="rect">
+            <a:avLst/>
+          </a:prstGeom>
+        </p:spPr>
+      </p:pic>
+    </p:spTree>
+    <p:extLst>
+      <p:ext uri="{BB962C8B-B14F-4D97-AF65-F5344CB8AC3E}">
+        <p14:creationId xmlns:p14="http://schemas.microsoft.com/office/powerpoint/2010/main" val="2529314180"/>
+      </p:ext>
+    </p:extLst>
+  </p:cSld>
+  <p:clrMapOvr>
+    <a:masterClrMapping/>
+  </p:clrMapOvr>
+</p:sld>
+</file>
+
+<file path=ppt/slides/slide8.xml><?xml version="1.0" encoding="utf-8"?>
+<p:sld xmlns:a="http://schemas.openxmlformats.org/drawingml/2006/main" xmlns:r="http://schemas.openxmlformats.org/officeDocument/2006/relationships" xmlns:p="http://schemas.openxmlformats.org/presentationml/2006/main">
+  <p:cSld>
+    <p:spTree>
+      <p:nvGrpSpPr>
+        <p:cNvPr id="1" name=""/>
+        <p:cNvGrpSpPr/>
+        <p:nvPr/>
+      </p:nvGrpSpPr>
+      <p:grpSpPr>
+        <a:xfrm>
+          <a:off x="0" y="0"/>
+          <a:ext cx="0" cy="0"/>
+          <a:chOff x="0" y="0"/>
+          <a:chExt cx="0" cy="0"/>
+        </a:xfrm>
+      </p:grpSpPr>
+      <p:sp>
+        <p:nvSpPr>
+          <p:cNvPr id="2" name="Заголовок 1">
+            <a:extLst>
+              <a:ext uri="{FF2B5EF4-FFF2-40B4-BE49-F238E27FC236}">
+                <a16:creationId xmlns:a16="http://schemas.microsoft.com/office/drawing/2014/main" id="{858A5C1F-E5B2-4EC1-9A3C-AAE441DF4D96}"/>
+              </a:ext>
+            </a:extLst>
+          </p:cNvPr>
+          <p:cNvSpPr>
+            <a:spLocks noGrp="1"/>
+          </p:cNvSpPr>
+          <p:nvPr>
+            <p:ph type="title"/>
+          </p:nvPr>
+        </p:nvSpPr>
+        <p:spPr>
+          <a:xfrm>
+            <a:off x="838200" y="176169"/>
+            <a:ext cx="10515600" cy="334424"/>
+          </a:xfrm>
+        </p:spPr>
+        <p:txBody>
+          <a:bodyPr>
+            <a:normAutofit/>
+          </a:bodyPr>
+          <a:lstStyle/>
+          <a:p>
+            <a:pPr algn="ctr"/>
+            <a:r>
+              <a:rPr lang="ru-RU" sz="1400" dirty="0">
+                <a:latin typeface="Times New Roman" panose="02020603050405020304" pitchFamily="18" charset="0"/>
+                <a:cs typeface="Times New Roman" panose="02020603050405020304" pitchFamily="18" charset="0"/>
+              </a:rPr>
+              <a:t>Задача №5</a:t>
+            </a:r>
+          </a:p>
+        </p:txBody>
+      </p:sp>
+      <p:sp>
+        <p:nvSpPr>
+          <p:cNvPr id="3" name="Текст 2">
+            <a:extLst>
+              <a:ext uri="{FF2B5EF4-FFF2-40B4-BE49-F238E27FC236}">
+                <a16:creationId xmlns:a16="http://schemas.microsoft.com/office/drawing/2014/main" id="{7A2822FC-0537-44BF-973E-18E9089D51A2}"/>
+              </a:ext>
+            </a:extLst>
+          </p:cNvPr>
+          <p:cNvSpPr>
+            <a:spLocks noGrp="1"/>
+          </p:cNvSpPr>
+          <p:nvPr>
+            <p:ph type="body" idx="1"/>
+          </p:nvPr>
+        </p:nvSpPr>
+        <p:spPr>
+          <a:xfrm>
+            <a:off x="831850" y="629175"/>
+            <a:ext cx="10515600" cy="520117"/>
+          </a:xfrm>
+        </p:spPr>
+        <p:txBody>
+          <a:bodyPr>
+            <a:normAutofit fontScale="92500" lnSpcReduction="20000"/>
+          </a:bodyPr>
+          <a:lstStyle/>
+          <a:p>
+            <a:r>
+              <a:rPr lang="ru-RU" sz="1400" dirty="0">
+                <a:solidFill>
+                  <a:schemeClr val="tx1"/>
+                </a:solidFill>
+                <a:latin typeface="Times New Roman" panose="02020603050405020304" pitchFamily="18" charset="0"/>
+                <a:cs typeface="Times New Roman" panose="02020603050405020304" pitchFamily="18" charset="0"/>
+              </a:rPr>
+              <a:t>Компиляция в командной строке используя </a:t>
+            </a:r>
+            <a:r>
+              <a:rPr lang="en-US" sz="1400" dirty="0" err="1">
+                <a:solidFill>
+                  <a:schemeClr val="tx1"/>
+                </a:solidFill>
+                <a:latin typeface="Times New Roman" panose="02020603050405020304" pitchFamily="18" charset="0"/>
+                <a:cs typeface="Times New Roman" panose="02020603050405020304" pitchFamily="18" charset="0"/>
+              </a:rPr>
+              <a:t>javac</a:t>
+            </a:r>
+            <a:endParaRPr lang="ru-RU" sz="1400" dirty="0">
+              <a:solidFill>
+                <a:schemeClr val="tx1"/>
+              </a:solidFill>
+              <a:latin typeface="Times New Roman" panose="02020603050405020304" pitchFamily="18" charset="0"/>
+              <a:cs typeface="Times New Roman" panose="02020603050405020304" pitchFamily="18" charset="0"/>
+            </a:endParaRPr>
+          </a:p>
+          <a:p>
+            <a:r>
+              <a:rPr lang="ru-RU" sz="1400" dirty="0">
+                <a:solidFill>
+                  <a:schemeClr val="tx1"/>
+                </a:solidFill>
+                <a:latin typeface="Times New Roman" panose="02020603050405020304" pitchFamily="18" charset="0"/>
+                <a:cs typeface="Times New Roman" panose="02020603050405020304" pitchFamily="18" charset="0"/>
+              </a:rPr>
+              <a:t>Исходный код: </a:t>
+            </a:r>
+            <a:r>
+              <a:rPr lang="en-US" sz="1400" dirty="0">
+                <a:solidFill>
+                  <a:schemeClr val="tx1"/>
+                </a:solidFill>
+                <a:latin typeface="Times New Roman" panose="02020603050405020304" pitchFamily="18" charset="0"/>
+                <a:cs typeface="Times New Roman" panose="02020603050405020304" pitchFamily="18" charset="0"/>
+              </a:rPr>
+              <a:t>https://github.com/Vladnwx/Learn2023-2024/blob/master/src/lr1/Example</a:t>
+            </a:r>
+            <a:r>
+              <a:rPr lang="ru-RU" sz="1400" dirty="0">
+                <a:solidFill>
+                  <a:schemeClr val="tx1"/>
+                </a:solidFill>
+                <a:latin typeface="Times New Roman" panose="02020603050405020304" pitchFamily="18" charset="0"/>
+                <a:cs typeface="Times New Roman" panose="02020603050405020304" pitchFamily="18" charset="0"/>
+              </a:rPr>
+              <a:t>5</a:t>
+            </a:r>
+            <a:r>
+              <a:rPr lang="en-US" sz="1400" dirty="0">
+                <a:solidFill>
+                  <a:schemeClr val="tx1"/>
+                </a:solidFill>
+                <a:latin typeface="Times New Roman" panose="02020603050405020304" pitchFamily="18" charset="0"/>
+                <a:cs typeface="Times New Roman" panose="02020603050405020304" pitchFamily="18" charset="0"/>
+              </a:rPr>
+              <a:t>.java</a:t>
+            </a:r>
+            <a:endParaRPr lang="ru-RU" sz="1400" dirty="0">
+              <a:solidFill>
+                <a:schemeClr val="tx1"/>
+              </a:solidFill>
+              <a:latin typeface="Times New Roman" panose="02020603050405020304" pitchFamily="18" charset="0"/>
+              <a:cs typeface="Times New Roman" panose="02020603050405020304" pitchFamily="18" charset="0"/>
+            </a:endParaRPr>
+          </a:p>
+          <a:p>
+            <a:endParaRPr lang="ru-RU" sz="1400" dirty="0">
+              <a:solidFill>
+                <a:schemeClr val="tx1"/>
+              </a:solidFill>
+              <a:latin typeface="Times New Roman" panose="02020603050405020304" pitchFamily="18" charset="0"/>
+              <a:cs typeface="Times New Roman" panose="02020603050405020304" pitchFamily="18" charset="0"/>
+            </a:endParaRPr>
+          </a:p>
+        </p:txBody>
+      </p:sp>
+      <p:pic>
+        <p:nvPicPr>
+          <p:cNvPr id="6" name="Рисунок 5">
+            <a:extLst>
+              <a:ext uri="{FF2B5EF4-FFF2-40B4-BE49-F238E27FC236}">
+                <a16:creationId xmlns:a16="http://schemas.microsoft.com/office/drawing/2014/main" id="{B5FE2D11-82C7-4BCB-A360-824F4318ADEC}"/>
+              </a:ext>
+            </a:extLst>
+          </p:cNvPr>
+          <p:cNvPicPr>
+            <a:picLocks noChangeAspect="1"/>
+          </p:cNvPicPr>
+          <p:nvPr/>
+        </p:nvPicPr>
+        <p:blipFill>
+          <a:blip r:embed="rId2">
+            <a:extLst>
+              <a:ext uri="{28A0092B-C50C-407E-A947-70E740481C1C}">
+                <a14:useLocalDpi xmlns:a14="http://schemas.microsoft.com/office/drawing/2010/main" val="0"/>
+              </a:ext>
+            </a:extLst>
+          </a:blip>
+          <a:stretch>
+            <a:fillRect/>
+          </a:stretch>
+        </p:blipFill>
+        <p:spPr>
+          <a:xfrm>
+            <a:off x="1011014" y="1267874"/>
+            <a:ext cx="10169971" cy="5394881"/>
+          </a:xfrm>
+          <a:prstGeom prst="rect">
+            <a:avLst/>
+          </a:prstGeom>
+        </p:spPr>
+      </p:pic>
+    </p:spTree>
+    <p:extLst>
+      <p:ext uri="{BB962C8B-B14F-4D97-AF65-F5344CB8AC3E}">
+        <p14:creationId xmlns:p14="http://schemas.microsoft.com/office/powerpoint/2010/main" val="3761937353"/>
+      </p:ext>
+    </p:extLst>
+  </p:cSld>
+  <p:clrMapOvr>
+    <a:masterClrMapping/>
+  </p:clrMapOvr>
+</p:sld>
+</file>
+
+<file path=ppt/slides/slide9.xml><?xml version="1.0" encoding="utf-8"?>
+<p:sld xmlns:a="http://schemas.openxmlformats.org/drawingml/2006/main" xmlns:r="http://schemas.openxmlformats.org/officeDocument/2006/relationships" xmlns:p="http://schemas.openxmlformats.org/presentationml/2006/main">
+  <p:cSld>
+    <p:spTree>
+      <p:nvGrpSpPr>
+        <p:cNvPr id="1" name=""/>
+        <p:cNvGrpSpPr/>
+        <p:nvPr/>
+      </p:nvGrpSpPr>
+      <p:grpSpPr>
+        <a:xfrm>
+          <a:off x="0" y="0"/>
+          <a:ext cx="0" cy="0"/>
+          <a:chOff x="0" y="0"/>
+          <a:chExt cx="0" cy="0"/>
+        </a:xfrm>
+      </p:grpSpPr>
+      <p:sp>
+        <p:nvSpPr>
+          <p:cNvPr id="2" name="Заголовок 1">
+            <a:extLst>
+              <a:ext uri="{FF2B5EF4-FFF2-40B4-BE49-F238E27FC236}">
+                <a16:creationId xmlns:a16="http://schemas.microsoft.com/office/drawing/2014/main" id="{858A5C1F-E5B2-4EC1-9A3C-AAE441DF4D96}"/>
+              </a:ext>
+            </a:extLst>
+          </p:cNvPr>
+          <p:cNvSpPr>
+            <a:spLocks noGrp="1"/>
+          </p:cNvSpPr>
+          <p:nvPr>
+            <p:ph type="title"/>
+          </p:nvPr>
+        </p:nvSpPr>
+        <p:spPr>
+          <a:xfrm>
+            <a:off x="838200" y="176169"/>
+            <a:ext cx="10515600" cy="334424"/>
+          </a:xfrm>
+        </p:spPr>
+        <p:txBody>
+          <a:bodyPr>
+            <a:normAutofit/>
+          </a:bodyPr>
+          <a:lstStyle/>
+          <a:p>
+            <a:pPr algn="ctr"/>
+            <a:r>
+              <a:rPr lang="ru-RU" sz="1400" dirty="0">
+                <a:latin typeface="Times New Roman" panose="02020603050405020304" pitchFamily="18" charset="0"/>
+                <a:cs typeface="Times New Roman" panose="02020603050405020304" pitchFamily="18" charset="0"/>
+              </a:rPr>
+              <a:t>Задача №6</a:t>
+            </a:r>
+          </a:p>
+        </p:txBody>
+      </p:sp>
+      <p:sp>
+        <p:nvSpPr>
+          <p:cNvPr id="3" name="Текст 2">
+            <a:extLst>
+              <a:ext uri="{FF2B5EF4-FFF2-40B4-BE49-F238E27FC236}">
+                <a16:creationId xmlns:a16="http://schemas.microsoft.com/office/drawing/2014/main" id="{7A2822FC-0537-44BF-973E-18E9089D51A2}"/>
+              </a:ext>
+            </a:extLst>
+          </p:cNvPr>
+          <p:cNvSpPr>
+            <a:spLocks noGrp="1"/>
+          </p:cNvSpPr>
+          <p:nvPr>
+            <p:ph type="body" idx="1"/>
+          </p:nvPr>
+        </p:nvSpPr>
+        <p:spPr>
+          <a:xfrm>
+            <a:off x="831850" y="629175"/>
+            <a:ext cx="10515600" cy="864065"/>
+          </a:xfrm>
+        </p:spPr>
+        <p:txBody>
+          <a:bodyPr>
+            <a:normAutofit/>
+          </a:bodyPr>
+          <a:lstStyle/>
+          <a:p>
+            <a:r>
+              <a:rPr lang="ru-RU" sz="1400" dirty="0">
+                <a:solidFill>
+                  <a:schemeClr val="tx1"/>
+                </a:solidFill>
+                <a:latin typeface="Times New Roman" panose="02020603050405020304" pitchFamily="18" charset="0"/>
+                <a:cs typeface="Times New Roman" panose="02020603050405020304" pitchFamily="18" charset="0"/>
+              </a:rPr>
+              <a:t>Исходный код решения: </a:t>
+            </a:r>
+            <a:r>
+              <a:rPr lang="en-US" sz="1400" dirty="0">
+                <a:solidFill>
+                  <a:schemeClr val="tx1"/>
+                </a:solidFill>
+                <a:latin typeface="Times New Roman" panose="02020603050405020304" pitchFamily="18" charset="0"/>
+                <a:cs typeface="Times New Roman" panose="02020603050405020304" pitchFamily="18" charset="0"/>
+              </a:rPr>
+              <a:t>https://github.com/Vladnwx/Learn2023-2024/blob/master/src/lr1/Example</a:t>
+            </a:r>
+            <a:r>
+              <a:rPr lang="ru-RU" sz="1400" dirty="0">
+                <a:solidFill>
+                  <a:schemeClr val="tx1"/>
+                </a:solidFill>
+                <a:latin typeface="Times New Roman" panose="02020603050405020304" pitchFamily="18" charset="0"/>
+                <a:cs typeface="Times New Roman" panose="02020603050405020304" pitchFamily="18" charset="0"/>
+              </a:rPr>
+              <a:t>6</a:t>
+            </a:r>
+            <a:r>
+              <a:rPr lang="en-US" sz="1400" dirty="0">
+                <a:solidFill>
+                  <a:schemeClr val="tx1"/>
+                </a:solidFill>
+                <a:latin typeface="Times New Roman" panose="02020603050405020304" pitchFamily="18" charset="0"/>
+                <a:cs typeface="Times New Roman" panose="02020603050405020304" pitchFamily="18" charset="0"/>
+              </a:rPr>
+              <a:t>.java</a:t>
+            </a:r>
+            <a:endParaRPr lang="ru-RU" sz="1400" dirty="0">
+              <a:solidFill>
+                <a:schemeClr val="tx1"/>
+              </a:solidFill>
+              <a:latin typeface="Times New Roman" panose="02020603050405020304" pitchFamily="18" charset="0"/>
+              <a:cs typeface="Times New Roman" panose="02020603050405020304" pitchFamily="18" charset="0"/>
+            </a:endParaRPr>
+          </a:p>
+          <a:p>
+            <a:endParaRPr lang="ru-RU" sz="1400" dirty="0">
+              <a:solidFill>
+                <a:schemeClr val="tx1"/>
+              </a:solidFill>
+              <a:latin typeface="Times New Roman" panose="02020603050405020304" pitchFamily="18" charset="0"/>
+              <a:cs typeface="Times New Roman" panose="02020603050405020304" pitchFamily="18" charset="0"/>
+            </a:endParaRPr>
+          </a:p>
+        </p:txBody>
+      </p:sp>
+    </p:spTree>
+    <p:extLst>
+      <p:ext uri="{BB962C8B-B14F-4D97-AF65-F5344CB8AC3E}">
+        <p14:creationId xmlns:p14="http://schemas.microsoft.com/office/powerpoint/2010/main" val="1782762979"/>
       </p:ext>
     </p:extLst>
   </p:cSld>
